--- a/watermelon.pptx
+++ b/watermelon.pptx
@@ -5,7 +5,7 @@
     <p:sldMasterId id="2147483648" r:id="rId1"/>
   </p:sldMasterIdLst>
   <p:notesMasterIdLst>
-    <p:notesMasterId r:id="rId11"/>
+    <p:notesMasterId r:id="rId12"/>
   </p:notesMasterIdLst>
   <p:sldIdLst>
     <p:sldId id="257" r:id="rId2"/>
@@ -17,6 +17,7 @@
     <p:sldId id="267" r:id="rId8"/>
     <p:sldId id="268" r:id="rId9"/>
     <p:sldId id="262" r:id="rId10"/>
+    <p:sldId id="269" r:id="rId11"/>
   </p:sldIdLst>
   <p:sldSz cx="12192000" cy="6858000"/>
   <p:notesSz cx="6858000" cy="9144000"/>
@@ -118,7 +119,7 @@
   <p:extLst>
     <p:ext uri="{EFAFB233-063F-42B5-8137-9DF3F51BA10A}">
       <p15:sldGuideLst xmlns:p15="http://schemas.microsoft.com/office/powerpoint/2012/main">
-        <p15:guide id="1" orient="horz" pos="2160" userDrawn="1">
+        <p15:guide id="1" orient="horz" pos="2183" userDrawn="1">
           <p15:clr>
             <a:srgbClr val="A4A3A4"/>
           </p15:clr>
@@ -590,7 +591,7 @@
           <p:cNvPr id="2" name="Заголовок 1">
             <a:extLst>
               <a:ext uri="{FF2B5EF4-FFF2-40B4-BE49-F238E27FC236}">
-                <a16:creationId xmlns:a16="http://schemas.microsoft.com/office/drawing/2014/main" xmlns="" id="{830B1E03-C64D-9D99-BFB4-82CA23116C0C}"/>
+                <a16:creationId xmlns="" xmlns:a16="http://schemas.microsoft.com/office/drawing/2014/main" id="{830B1E03-C64D-9D99-BFB4-82CA23116C0C}"/>
               </a:ext>
             </a:extLst>
           </p:cNvPr>
@@ -627,7 +628,7 @@
           <p:cNvPr id="3" name="Подзаголовок 2">
             <a:extLst>
               <a:ext uri="{FF2B5EF4-FFF2-40B4-BE49-F238E27FC236}">
-                <a16:creationId xmlns:a16="http://schemas.microsoft.com/office/drawing/2014/main" xmlns="" id="{538C9A00-B57A-915F-4275-2AD60ADC8D00}"/>
+                <a16:creationId xmlns="" xmlns:a16="http://schemas.microsoft.com/office/drawing/2014/main" id="{538C9A00-B57A-915F-4275-2AD60ADC8D00}"/>
               </a:ext>
             </a:extLst>
           </p:cNvPr>
@@ -697,7 +698,7 @@
           <p:cNvPr id="4" name="Дата 3">
             <a:extLst>
               <a:ext uri="{FF2B5EF4-FFF2-40B4-BE49-F238E27FC236}">
-                <a16:creationId xmlns:a16="http://schemas.microsoft.com/office/drawing/2014/main" xmlns="" id="{58CD5174-ED65-F205-B126-855C17C8BBE1}"/>
+                <a16:creationId xmlns="" xmlns:a16="http://schemas.microsoft.com/office/drawing/2014/main" id="{58CD5174-ED65-F205-B126-855C17C8BBE1}"/>
               </a:ext>
             </a:extLst>
           </p:cNvPr>
@@ -726,7 +727,7 @@
           <p:cNvPr id="5" name="Нижний колонтитул 4">
             <a:extLst>
               <a:ext uri="{FF2B5EF4-FFF2-40B4-BE49-F238E27FC236}">
-                <a16:creationId xmlns:a16="http://schemas.microsoft.com/office/drawing/2014/main" xmlns="" id="{B84CFB53-F3CB-994C-741E-B362EA42016C}"/>
+                <a16:creationId xmlns="" xmlns:a16="http://schemas.microsoft.com/office/drawing/2014/main" id="{B84CFB53-F3CB-994C-741E-B362EA42016C}"/>
               </a:ext>
             </a:extLst>
           </p:cNvPr>
@@ -751,7 +752,7 @@
           <p:cNvPr id="6" name="Номер слайда 5">
             <a:extLst>
               <a:ext uri="{FF2B5EF4-FFF2-40B4-BE49-F238E27FC236}">
-                <a16:creationId xmlns:a16="http://schemas.microsoft.com/office/drawing/2014/main" xmlns="" id="{D94FC0DF-6D5C-248D-3E0E-42393846F242}"/>
+                <a16:creationId xmlns="" xmlns:a16="http://schemas.microsoft.com/office/drawing/2014/main" id="{D94FC0DF-6D5C-248D-3E0E-42393846F242}"/>
               </a:ext>
             </a:extLst>
           </p:cNvPr>
@@ -810,7 +811,7 @@
           <p:cNvPr id="2" name="Заголовок 1">
             <a:extLst>
               <a:ext uri="{FF2B5EF4-FFF2-40B4-BE49-F238E27FC236}">
-                <a16:creationId xmlns:a16="http://schemas.microsoft.com/office/drawing/2014/main" xmlns="" id="{3F4F8EB4-EDCB-662C-1A9D-7CF354D4F349}"/>
+                <a16:creationId xmlns="" xmlns:a16="http://schemas.microsoft.com/office/drawing/2014/main" id="{3F4F8EB4-EDCB-662C-1A9D-7CF354D4F349}"/>
               </a:ext>
             </a:extLst>
           </p:cNvPr>
@@ -838,7 +839,7 @@
           <p:cNvPr id="3" name="Вертикальный текст 2">
             <a:extLst>
               <a:ext uri="{FF2B5EF4-FFF2-40B4-BE49-F238E27FC236}">
-                <a16:creationId xmlns:a16="http://schemas.microsoft.com/office/drawing/2014/main" xmlns="" id="{C9742749-F2AC-0F30-31BB-10168F74DDDD}"/>
+                <a16:creationId xmlns="" xmlns:a16="http://schemas.microsoft.com/office/drawing/2014/main" id="{C9742749-F2AC-0F30-31BB-10168F74DDDD}"/>
               </a:ext>
             </a:extLst>
           </p:cNvPr>
@@ -895,7 +896,7 @@
           <p:cNvPr id="4" name="Дата 3">
             <a:extLst>
               <a:ext uri="{FF2B5EF4-FFF2-40B4-BE49-F238E27FC236}">
-                <a16:creationId xmlns:a16="http://schemas.microsoft.com/office/drawing/2014/main" xmlns="" id="{859CA8BB-4832-6595-E01C-416F2139A6AD}"/>
+                <a16:creationId xmlns="" xmlns:a16="http://schemas.microsoft.com/office/drawing/2014/main" id="{859CA8BB-4832-6595-E01C-416F2139A6AD}"/>
               </a:ext>
             </a:extLst>
           </p:cNvPr>
@@ -924,7 +925,7 @@
           <p:cNvPr id="5" name="Нижний колонтитул 4">
             <a:extLst>
               <a:ext uri="{FF2B5EF4-FFF2-40B4-BE49-F238E27FC236}">
-                <a16:creationId xmlns:a16="http://schemas.microsoft.com/office/drawing/2014/main" xmlns="" id="{E5F079EB-A159-9456-20D1-891BCE5B8569}"/>
+                <a16:creationId xmlns="" xmlns:a16="http://schemas.microsoft.com/office/drawing/2014/main" id="{E5F079EB-A159-9456-20D1-891BCE5B8569}"/>
               </a:ext>
             </a:extLst>
           </p:cNvPr>
@@ -949,7 +950,7 @@
           <p:cNvPr id="6" name="Номер слайда 5">
             <a:extLst>
               <a:ext uri="{FF2B5EF4-FFF2-40B4-BE49-F238E27FC236}">
-                <a16:creationId xmlns:a16="http://schemas.microsoft.com/office/drawing/2014/main" xmlns="" id="{73A3BE8B-9640-E51E-6664-5A35DE808259}"/>
+                <a16:creationId xmlns="" xmlns:a16="http://schemas.microsoft.com/office/drawing/2014/main" id="{73A3BE8B-9640-E51E-6664-5A35DE808259}"/>
               </a:ext>
             </a:extLst>
           </p:cNvPr>
@@ -1008,7 +1009,7 @@
           <p:cNvPr id="2" name="Вертикальный заголовок 1">
             <a:extLst>
               <a:ext uri="{FF2B5EF4-FFF2-40B4-BE49-F238E27FC236}">
-                <a16:creationId xmlns:a16="http://schemas.microsoft.com/office/drawing/2014/main" xmlns="" id="{ED01AA9D-213C-F9B0-96DA-0A9D1212227D}"/>
+                <a16:creationId xmlns="" xmlns:a16="http://schemas.microsoft.com/office/drawing/2014/main" id="{ED01AA9D-213C-F9B0-96DA-0A9D1212227D}"/>
               </a:ext>
             </a:extLst>
           </p:cNvPr>
@@ -1041,7 +1042,7 @@
           <p:cNvPr id="3" name="Вертикальный текст 2">
             <a:extLst>
               <a:ext uri="{FF2B5EF4-FFF2-40B4-BE49-F238E27FC236}">
-                <a16:creationId xmlns:a16="http://schemas.microsoft.com/office/drawing/2014/main" xmlns="" id="{E04B1249-079B-AB55-21CB-5EADC2C0E21B}"/>
+                <a16:creationId xmlns="" xmlns:a16="http://schemas.microsoft.com/office/drawing/2014/main" id="{E04B1249-079B-AB55-21CB-5EADC2C0E21B}"/>
               </a:ext>
             </a:extLst>
           </p:cNvPr>
@@ -1103,7 +1104,7 @@
           <p:cNvPr id="4" name="Дата 3">
             <a:extLst>
               <a:ext uri="{FF2B5EF4-FFF2-40B4-BE49-F238E27FC236}">
-                <a16:creationId xmlns:a16="http://schemas.microsoft.com/office/drawing/2014/main" xmlns="" id="{A457B1C0-6EEA-1889-5A56-2ED874266AF3}"/>
+                <a16:creationId xmlns="" xmlns:a16="http://schemas.microsoft.com/office/drawing/2014/main" id="{A457B1C0-6EEA-1889-5A56-2ED874266AF3}"/>
               </a:ext>
             </a:extLst>
           </p:cNvPr>
@@ -1132,7 +1133,7 @@
           <p:cNvPr id="5" name="Нижний колонтитул 4">
             <a:extLst>
               <a:ext uri="{FF2B5EF4-FFF2-40B4-BE49-F238E27FC236}">
-                <a16:creationId xmlns:a16="http://schemas.microsoft.com/office/drawing/2014/main" xmlns="" id="{2D707C2A-64E3-FDE3-B712-8512DC4BEF71}"/>
+                <a16:creationId xmlns="" xmlns:a16="http://schemas.microsoft.com/office/drawing/2014/main" id="{2D707C2A-64E3-FDE3-B712-8512DC4BEF71}"/>
               </a:ext>
             </a:extLst>
           </p:cNvPr>
@@ -1157,7 +1158,7 @@
           <p:cNvPr id="6" name="Номер слайда 5">
             <a:extLst>
               <a:ext uri="{FF2B5EF4-FFF2-40B4-BE49-F238E27FC236}">
-                <a16:creationId xmlns:a16="http://schemas.microsoft.com/office/drawing/2014/main" xmlns="" id="{3671DA01-E605-C373-4ADC-4B6C7DB60EF6}"/>
+                <a16:creationId xmlns="" xmlns:a16="http://schemas.microsoft.com/office/drawing/2014/main" id="{3671DA01-E605-C373-4ADC-4B6C7DB60EF6}"/>
               </a:ext>
             </a:extLst>
           </p:cNvPr>
@@ -1216,7 +1217,7 @@
           <p:cNvPr id="8" name="Рисунок 7">
             <a:extLst>
               <a:ext uri="{FF2B5EF4-FFF2-40B4-BE49-F238E27FC236}">
-                <a16:creationId xmlns:a16="http://schemas.microsoft.com/office/drawing/2014/main" xmlns="" id="{AD3492AC-2023-4442-AF40-53B11C2EF8B5}"/>
+                <a16:creationId xmlns="" xmlns:a16="http://schemas.microsoft.com/office/drawing/2014/main" id="{AD3492AC-2023-4442-AF40-53B11C2EF8B5}"/>
               </a:ext>
             </a:extLst>
           </p:cNvPr>
@@ -1253,7 +1254,7 @@
           <p:cNvPr id="2" name="Заголовок 1">
             <a:extLst>
               <a:ext uri="{FF2B5EF4-FFF2-40B4-BE49-F238E27FC236}">
-                <a16:creationId xmlns:a16="http://schemas.microsoft.com/office/drawing/2014/main" xmlns="" id="{6C25C416-A3A2-4CF9-9532-2C0BFB51CFDF}"/>
+                <a16:creationId xmlns="" xmlns:a16="http://schemas.microsoft.com/office/drawing/2014/main" id="{6C25C416-A3A2-4CF9-9532-2C0BFB51CFDF}"/>
               </a:ext>
             </a:extLst>
           </p:cNvPr>
@@ -1300,7 +1301,7 @@
           <p:cNvPr id="3" name="Подзаголовок 2">
             <a:extLst>
               <a:ext uri="{FF2B5EF4-FFF2-40B4-BE49-F238E27FC236}">
-                <a16:creationId xmlns:a16="http://schemas.microsoft.com/office/drawing/2014/main" xmlns="" id="{43D32955-BB06-40DE-A14A-2170FD41AD52}"/>
+                <a16:creationId xmlns="" xmlns:a16="http://schemas.microsoft.com/office/drawing/2014/main" id="{43D32955-BB06-40DE-A14A-2170FD41AD52}"/>
               </a:ext>
             </a:extLst>
           </p:cNvPr>
@@ -1373,7 +1374,7 @@
           <p:cNvPr id="4" name="Дата 3">
             <a:extLst>
               <a:ext uri="{FF2B5EF4-FFF2-40B4-BE49-F238E27FC236}">
-                <a16:creationId xmlns:a16="http://schemas.microsoft.com/office/drawing/2014/main" xmlns="" id="{74D64503-659B-472D-ABF8-01D077EB0D83}"/>
+                <a16:creationId xmlns="" xmlns:a16="http://schemas.microsoft.com/office/drawing/2014/main" id="{74D64503-659B-472D-ABF8-01D077EB0D83}"/>
               </a:ext>
             </a:extLst>
           </p:cNvPr>
@@ -1402,7 +1403,7 @@
           <p:cNvPr id="5" name="Нижний колонтитул 4">
             <a:extLst>
               <a:ext uri="{FF2B5EF4-FFF2-40B4-BE49-F238E27FC236}">
-                <a16:creationId xmlns:a16="http://schemas.microsoft.com/office/drawing/2014/main" xmlns="" id="{FE209C12-0CED-4CD5-B463-885A793CC25E}"/>
+                <a16:creationId xmlns="" xmlns:a16="http://schemas.microsoft.com/office/drawing/2014/main" id="{FE209C12-0CED-4CD5-B463-885A793CC25E}"/>
               </a:ext>
             </a:extLst>
           </p:cNvPr>
@@ -1431,7 +1432,7 @@
           <p:cNvPr id="6" name="Номер слайда 5">
             <a:extLst>
               <a:ext uri="{FF2B5EF4-FFF2-40B4-BE49-F238E27FC236}">
-                <a16:creationId xmlns:a16="http://schemas.microsoft.com/office/drawing/2014/main" xmlns="" id="{1A8F03DA-3AA9-44AC-8E2B-D53B8EBEA402}"/>
+                <a16:creationId xmlns="" xmlns:a16="http://schemas.microsoft.com/office/drawing/2014/main" id="{1A8F03DA-3AA9-44AC-8E2B-D53B8EBEA402}"/>
               </a:ext>
             </a:extLst>
           </p:cNvPr>
@@ -1491,7 +1492,7 @@
           <p:cNvPr id="2" name="Заголовок 1">
             <a:extLst>
               <a:ext uri="{FF2B5EF4-FFF2-40B4-BE49-F238E27FC236}">
-                <a16:creationId xmlns:a16="http://schemas.microsoft.com/office/drawing/2014/main" xmlns="" id="{8479803F-39E3-1BB1-D2B3-39DBC689F8A4}"/>
+                <a16:creationId xmlns="" xmlns:a16="http://schemas.microsoft.com/office/drawing/2014/main" id="{8479803F-39E3-1BB1-D2B3-39DBC689F8A4}"/>
               </a:ext>
             </a:extLst>
           </p:cNvPr>
@@ -1519,7 +1520,7 @@
           <p:cNvPr id="3" name="Объект 2">
             <a:extLst>
               <a:ext uri="{FF2B5EF4-FFF2-40B4-BE49-F238E27FC236}">
-                <a16:creationId xmlns:a16="http://schemas.microsoft.com/office/drawing/2014/main" xmlns="" id="{00DE77E8-B596-050E-628D-AC8D96C1E067}"/>
+                <a16:creationId xmlns="" xmlns:a16="http://schemas.microsoft.com/office/drawing/2014/main" id="{00DE77E8-B596-050E-628D-AC8D96C1E067}"/>
               </a:ext>
             </a:extLst>
           </p:cNvPr>
@@ -1576,7 +1577,7 @@
           <p:cNvPr id="4" name="Дата 3">
             <a:extLst>
               <a:ext uri="{FF2B5EF4-FFF2-40B4-BE49-F238E27FC236}">
-                <a16:creationId xmlns:a16="http://schemas.microsoft.com/office/drawing/2014/main" xmlns="" id="{DDB95335-DCE5-3230-C0AF-21124E121A32}"/>
+                <a16:creationId xmlns="" xmlns:a16="http://schemas.microsoft.com/office/drawing/2014/main" id="{DDB95335-DCE5-3230-C0AF-21124E121A32}"/>
               </a:ext>
             </a:extLst>
           </p:cNvPr>
@@ -1605,7 +1606,7 @@
           <p:cNvPr id="5" name="Нижний колонтитул 4">
             <a:extLst>
               <a:ext uri="{FF2B5EF4-FFF2-40B4-BE49-F238E27FC236}">
-                <a16:creationId xmlns:a16="http://schemas.microsoft.com/office/drawing/2014/main" xmlns="" id="{6408FAB6-66AC-D2AE-6306-93E47A81B872}"/>
+                <a16:creationId xmlns="" xmlns:a16="http://schemas.microsoft.com/office/drawing/2014/main" id="{6408FAB6-66AC-D2AE-6306-93E47A81B872}"/>
               </a:ext>
             </a:extLst>
           </p:cNvPr>
@@ -1630,7 +1631,7 @@
           <p:cNvPr id="6" name="Номер слайда 5">
             <a:extLst>
               <a:ext uri="{FF2B5EF4-FFF2-40B4-BE49-F238E27FC236}">
-                <a16:creationId xmlns:a16="http://schemas.microsoft.com/office/drawing/2014/main" xmlns="" id="{038167C1-5188-DF43-5296-24B0DA97EAA0}"/>
+                <a16:creationId xmlns="" xmlns:a16="http://schemas.microsoft.com/office/drawing/2014/main" id="{038167C1-5188-DF43-5296-24B0DA97EAA0}"/>
               </a:ext>
             </a:extLst>
           </p:cNvPr>
@@ -1689,7 +1690,7 @@
           <p:cNvPr id="2" name="Заголовок 1">
             <a:extLst>
               <a:ext uri="{FF2B5EF4-FFF2-40B4-BE49-F238E27FC236}">
-                <a16:creationId xmlns:a16="http://schemas.microsoft.com/office/drawing/2014/main" xmlns="" id="{59B7697B-6E95-59A1-EF06-0A77BCF015FC}"/>
+                <a16:creationId xmlns="" xmlns:a16="http://schemas.microsoft.com/office/drawing/2014/main" id="{59B7697B-6E95-59A1-EF06-0A77BCF015FC}"/>
               </a:ext>
             </a:extLst>
           </p:cNvPr>
@@ -1726,7 +1727,7 @@
           <p:cNvPr id="3" name="Текст 2">
             <a:extLst>
               <a:ext uri="{FF2B5EF4-FFF2-40B4-BE49-F238E27FC236}">
-                <a16:creationId xmlns:a16="http://schemas.microsoft.com/office/drawing/2014/main" xmlns="" id="{0BD0ECA8-541B-3A2E-B546-C10E7E14468A}"/>
+                <a16:creationId xmlns="" xmlns:a16="http://schemas.microsoft.com/office/drawing/2014/main" id="{0BD0ECA8-541B-3A2E-B546-C10E7E14468A}"/>
               </a:ext>
             </a:extLst>
           </p:cNvPr>
@@ -1851,7 +1852,7 @@
           <p:cNvPr id="4" name="Дата 3">
             <a:extLst>
               <a:ext uri="{FF2B5EF4-FFF2-40B4-BE49-F238E27FC236}">
-                <a16:creationId xmlns:a16="http://schemas.microsoft.com/office/drawing/2014/main" xmlns="" id="{DC47485C-3501-0BA9-3891-5B86B79F0AB1}"/>
+                <a16:creationId xmlns="" xmlns:a16="http://schemas.microsoft.com/office/drawing/2014/main" id="{DC47485C-3501-0BA9-3891-5B86B79F0AB1}"/>
               </a:ext>
             </a:extLst>
           </p:cNvPr>
@@ -1880,7 +1881,7 @@
           <p:cNvPr id="5" name="Нижний колонтитул 4">
             <a:extLst>
               <a:ext uri="{FF2B5EF4-FFF2-40B4-BE49-F238E27FC236}">
-                <a16:creationId xmlns:a16="http://schemas.microsoft.com/office/drawing/2014/main" xmlns="" id="{16A3DC3F-7CB4-5B37-D68C-54E25839F1E5}"/>
+                <a16:creationId xmlns="" xmlns:a16="http://schemas.microsoft.com/office/drawing/2014/main" id="{16A3DC3F-7CB4-5B37-D68C-54E25839F1E5}"/>
               </a:ext>
             </a:extLst>
           </p:cNvPr>
@@ -1905,7 +1906,7 @@
           <p:cNvPr id="6" name="Номер слайда 5">
             <a:extLst>
               <a:ext uri="{FF2B5EF4-FFF2-40B4-BE49-F238E27FC236}">
-                <a16:creationId xmlns:a16="http://schemas.microsoft.com/office/drawing/2014/main" xmlns="" id="{FB9661B2-57E4-2ECF-0DA9-6D5BCBECA1D3}"/>
+                <a16:creationId xmlns="" xmlns:a16="http://schemas.microsoft.com/office/drawing/2014/main" id="{FB9661B2-57E4-2ECF-0DA9-6D5BCBECA1D3}"/>
               </a:ext>
             </a:extLst>
           </p:cNvPr>
@@ -1964,7 +1965,7 @@
           <p:cNvPr id="2" name="Заголовок 1">
             <a:extLst>
               <a:ext uri="{FF2B5EF4-FFF2-40B4-BE49-F238E27FC236}">
-                <a16:creationId xmlns:a16="http://schemas.microsoft.com/office/drawing/2014/main" xmlns="" id="{89580933-5065-FC8C-F726-1016B3857C44}"/>
+                <a16:creationId xmlns="" xmlns:a16="http://schemas.microsoft.com/office/drawing/2014/main" id="{89580933-5065-FC8C-F726-1016B3857C44}"/>
               </a:ext>
             </a:extLst>
           </p:cNvPr>
@@ -1992,7 +1993,7 @@
           <p:cNvPr id="3" name="Объект 2">
             <a:extLst>
               <a:ext uri="{FF2B5EF4-FFF2-40B4-BE49-F238E27FC236}">
-                <a16:creationId xmlns:a16="http://schemas.microsoft.com/office/drawing/2014/main" xmlns="" id="{08B6FE2A-3EE7-FC71-1B45-999BFE46624E}"/>
+                <a16:creationId xmlns="" xmlns:a16="http://schemas.microsoft.com/office/drawing/2014/main" id="{08B6FE2A-3EE7-FC71-1B45-999BFE46624E}"/>
               </a:ext>
             </a:extLst>
           </p:cNvPr>
@@ -2054,7 +2055,7 @@
           <p:cNvPr id="4" name="Объект 3">
             <a:extLst>
               <a:ext uri="{FF2B5EF4-FFF2-40B4-BE49-F238E27FC236}">
-                <a16:creationId xmlns:a16="http://schemas.microsoft.com/office/drawing/2014/main" xmlns="" id="{8A879BC9-3B13-7602-188E-5FB9EC6CE51F}"/>
+                <a16:creationId xmlns="" xmlns:a16="http://schemas.microsoft.com/office/drawing/2014/main" id="{8A879BC9-3B13-7602-188E-5FB9EC6CE51F}"/>
               </a:ext>
             </a:extLst>
           </p:cNvPr>
@@ -2116,7 +2117,7 @@
           <p:cNvPr id="5" name="Дата 4">
             <a:extLst>
               <a:ext uri="{FF2B5EF4-FFF2-40B4-BE49-F238E27FC236}">
-                <a16:creationId xmlns:a16="http://schemas.microsoft.com/office/drawing/2014/main" xmlns="" id="{3A829F8A-8E4D-DEC3-037D-9F2B4F5C124C}"/>
+                <a16:creationId xmlns="" xmlns:a16="http://schemas.microsoft.com/office/drawing/2014/main" id="{3A829F8A-8E4D-DEC3-037D-9F2B4F5C124C}"/>
               </a:ext>
             </a:extLst>
           </p:cNvPr>
@@ -2145,7 +2146,7 @@
           <p:cNvPr id="6" name="Нижний колонтитул 5">
             <a:extLst>
               <a:ext uri="{FF2B5EF4-FFF2-40B4-BE49-F238E27FC236}">
-                <a16:creationId xmlns:a16="http://schemas.microsoft.com/office/drawing/2014/main" xmlns="" id="{8742AAAC-4276-FA6A-D15F-6D58BAD4899B}"/>
+                <a16:creationId xmlns="" xmlns:a16="http://schemas.microsoft.com/office/drawing/2014/main" id="{8742AAAC-4276-FA6A-D15F-6D58BAD4899B}"/>
               </a:ext>
             </a:extLst>
           </p:cNvPr>
@@ -2170,7 +2171,7 @@
           <p:cNvPr id="7" name="Номер слайда 6">
             <a:extLst>
               <a:ext uri="{FF2B5EF4-FFF2-40B4-BE49-F238E27FC236}">
-                <a16:creationId xmlns:a16="http://schemas.microsoft.com/office/drawing/2014/main" xmlns="" id="{D7D0F5F9-4D5A-087C-EBC2-F8C390CD9B71}"/>
+                <a16:creationId xmlns="" xmlns:a16="http://schemas.microsoft.com/office/drawing/2014/main" id="{D7D0F5F9-4D5A-087C-EBC2-F8C390CD9B71}"/>
               </a:ext>
             </a:extLst>
           </p:cNvPr>
@@ -2229,7 +2230,7 @@
           <p:cNvPr id="2" name="Заголовок 1">
             <a:extLst>
               <a:ext uri="{FF2B5EF4-FFF2-40B4-BE49-F238E27FC236}">
-                <a16:creationId xmlns:a16="http://schemas.microsoft.com/office/drawing/2014/main" xmlns="" id="{4BA6BC6A-3A0D-1538-ED7C-63BACDA5F7A1}"/>
+                <a16:creationId xmlns="" xmlns:a16="http://schemas.microsoft.com/office/drawing/2014/main" id="{4BA6BC6A-3A0D-1538-ED7C-63BACDA5F7A1}"/>
               </a:ext>
             </a:extLst>
           </p:cNvPr>
@@ -2262,7 +2263,7 @@
           <p:cNvPr id="3" name="Текст 2">
             <a:extLst>
               <a:ext uri="{FF2B5EF4-FFF2-40B4-BE49-F238E27FC236}">
-                <a16:creationId xmlns:a16="http://schemas.microsoft.com/office/drawing/2014/main" xmlns="" id="{91C19643-8F1C-A05A-FD97-73A878975496}"/>
+                <a16:creationId xmlns="" xmlns:a16="http://schemas.microsoft.com/office/drawing/2014/main" id="{91C19643-8F1C-A05A-FD97-73A878975496}"/>
               </a:ext>
             </a:extLst>
           </p:cNvPr>
@@ -2333,7 +2334,7 @@
           <p:cNvPr id="4" name="Объект 3">
             <a:extLst>
               <a:ext uri="{FF2B5EF4-FFF2-40B4-BE49-F238E27FC236}">
-                <a16:creationId xmlns:a16="http://schemas.microsoft.com/office/drawing/2014/main" xmlns="" id="{669545FC-84A1-416B-069E-57C02FDE7637}"/>
+                <a16:creationId xmlns="" xmlns:a16="http://schemas.microsoft.com/office/drawing/2014/main" id="{669545FC-84A1-416B-069E-57C02FDE7637}"/>
               </a:ext>
             </a:extLst>
           </p:cNvPr>
@@ -2395,7 +2396,7 @@
           <p:cNvPr id="5" name="Текст 4">
             <a:extLst>
               <a:ext uri="{FF2B5EF4-FFF2-40B4-BE49-F238E27FC236}">
-                <a16:creationId xmlns:a16="http://schemas.microsoft.com/office/drawing/2014/main" xmlns="" id="{B5CD1CE5-E308-041C-A2E8-7B2CF5CA6A12}"/>
+                <a16:creationId xmlns="" xmlns:a16="http://schemas.microsoft.com/office/drawing/2014/main" id="{B5CD1CE5-E308-041C-A2E8-7B2CF5CA6A12}"/>
               </a:ext>
             </a:extLst>
           </p:cNvPr>
@@ -2466,7 +2467,7 @@
           <p:cNvPr id="6" name="Объект 5">
             <a:extLst>
               <a:ext uri="{FF2B5EF4-FFF2-40B4-BE49-F238E27FC236}">
-                <a16:creationId xmlns:a16="http://schemas.microsoft.com/office/drawing/2014/main" xmlns="" id="{2DFBAD1D-D14D-309F-92FF-FB3E0E32C1AA}"/>
+                <a16:creationId xmlns="" xmlns:a16="http://schemas.microsoft.com/office/drawing/2014/main" id="{2DFBAD1D-D14D-309F-92FF-FB3E0E32C1AA}"/>
               </a:ext>
             </a:extLst>
           </p:cNvPr>
@@ -2528,7 +2529,7 @@
           <p:cNvPr id="7" name="Дата 6">
             <a:extLst>
               <a:ext uri="{FF2B5EF4-FFF2-40B4-BE49-F238E27FC236}">
-                <a16:creationId xmlns:a16="http://schemas.microsoft.com/office/drawing/2014/main" xmlns="" id="{14A6071E-F7E8-E429-E658-395AA72C9D59}"/>
+                <a16:creationId xmlns="" xmlns:a16="http://schemas.microsoft.com/office/drawing/2014/main" id="{14A6071E-F7E8-E429-E658-395AA72C9D59}"/>
               </a:ext>
             </a:extLst>
           </p:cNvPr>
@@ -2557,7 +2558,7 @@
           <p:cNvPr id="8" name="Нижний колонтитул 7">
             <a:extLst>
               <a:ext uri="{FF2B5EF4-FFF2-40B4-BE49-F238E27FC236}">
-                <a16:creationId xmlns:a16="http://schemas.microsoft.com/office/drawing/2014/main" xmlns="" id="{EB3C53F8-3370-D0B9-08B0-C59F960E6DA8}"/>
+                <a16:creationId xmlns="" xmlns:a16="http://schemas.microsoft.com/office/drawing/2014/main" id="{EB3C53F8-3370-D0B9-08B0-C59F960E6DA8}"/>
               </a:ext>
             </a:extLst>
           </p:cNvPr>
@@ -2582,7 +2583,7 @@
           <p:cNvPr id="9" name="Номер слайда 8">
             <a:extLst>
               <a:ext uri="{FF2B5EF4-FFF2-40B4-BE49-F238E27FC236}">
-                <a16:creationId xmlns:a16="http://schemas.microsoft.com/office/drawing/2014/main" xmlns="" id="{8631AEA8-3623-CC00-114B-14EC9293A346}"/>
+                <a16:creationId xmlns="" xmlns:a16="http://schemas.microsoft.com/office/drawing/2014/main" id="{8631AEA8-3623-CC00-114B-14EC9293A346}"/>
               </a:ext>
             </a:extLst>
           </p:cNvPr>
@@ -2641,7 +2642,7 @@
           <p:cNvPr id="2" name="Заголовок 1">
             <a:extLst>
               <a:ext uri="{FF2B5EF4-FFF2-40B4-BE49-F238E27FC236}">
-                <a16:creationId xmlns:a16="http://schemas.microsoft.com/office/drawing/2014/main" xmlns="" id="{8B827BFF-9FD7-22A7-B577-504143DC69B4}"/>
+                <a16:creationId xmlns="" xmlns:a16="http://schemas.microsoft.com/office/drawing/2014/main" id="{8B827BFF-9FD7-22A7-B577-504143DC69B4}"/>
               </a:ext>
             </a:extLst>
           </p:cNvPr>
@@ -2669,7 +2670,7 @@
           <p:cNvPr id="3" name="Дата 2">
             <a:extLst>
               <a:ext uri="{FF2B5EF4-FFF2-40B4-BE49-F238E27FC236}">
-                <a16:creationId xmlns:a16="http://schemas.microsoft.com/office/drawing/2014/main" xmlns="" id="{94034B10-FECD-0EED-A9CA-8C74C768F19A}"/>
+                <a16:creationId xmlns="" xmlns:a16="http://schemas.microsoft.com/office/drawing/2014/main" id="{94034B10-FECD-0EED-A9CA-8C74C768F19A}"/>
               </a:ext>
             </a:extLst>
           </p:cNvPr>
@@ -2698,7 +2699,7 @@
           <p:cNvPr id="4" name="Нижний колонтитул 3">
             <a:extLst>
               <a:ext uri="{FF2B5EF4-FFF2-40B4-BE49-F238E27FC236}">
-                <a16:creationId xmlns:a16="http://schemas.microsoft.com/office/drawing/2014/main" xmlns="" id="{846E7B33-57E2-D368-C9F2-862B0E89D302}"/>
+                <a16:creationId xmlns="" xmlns:a16="http://schemas.microsoft.com/office/drawing/2014/main" id="{846E7B33-57E2-D368-C9F2-862B0E89D302}"/>
               </a:ext>
             </a:extLst>
           </p:cNvPr>
@@ -2723,7 +2724,7 @@
           <p:cNvPr id="5" name="Номер слайда 4">
             <a:extLst>
               <a:ext uri="{FF2B5EF4-FFF2-40B4-BE49-F238E27FC236}">
-                <a16:creationId xmlns:a16="http://schemas.microsoft.com/office/drawing/2014/main" xmlns="" id="{BFF2FB55-2D76-C85B-7C7A-F90DF2F9C2BC}"/>
+                <a16:creationId xmlns="" xmlns:a16="http://schemas.microsoft.com/office/drawing/2014/main" id="{BFF2FB55-2D76-C85B-7C7A-F90DF2F9C2BC}"/>
               </a:ext>
             </a:extLst>
           </p:cNvPr>
@@ -2782,7 +2783,7 @@
           <p:cNvPr id="2" name="Дата 1">
             <a:extLst>
               <a:ext uri="{FF2B5EF4-FFF2-40B4-BE49-F238E27FC236}">
-                <a16:creationId xmlns:a16="http://schemas.microsoft.com/office/drawing/2014/main" xmlns="" id="{04A8F5CA-AC9C-7EDA-E641-04E11A40A02D}"/>
+                <a16:creationId xmlns="" xmlns:a16="http://schemas.microsoft.com/office/drawing/2014/main" id="{04A8F5CA-AC9C-7EDA-E641-04E11A40A02D}"/>
               </a:ext>
             </a:extLst>
           </p:cNvPr>
@@ -2811,7 +2812,7 @@
           <p:cNvPr id="3" name="Нижний колонтитул 2">
             <a:extLst>
               <a:ext uri="{FF2B5EF4-FFF2-40B4-BE49-F238E27FC236}">
-                <a16:creationId xmlns:a16="http://schemas.microsoft.com/office/drawing/2014/main" xmlns="" id="{853D4B42-C227-5AE2-49E8-7DB7910ACE76}"/>
+                <a16:creationId xmlns="" xmlns:a16="http://schemas.microsoft.com/office/drawing/2014/main" id="{853D4B42-C227-5AE2-49E8-7DB7910ACE76}"/>
               </a:ext>
             </a:extLst>
           </p:cNvPr>
@@ -2836,7 +2837,7 @@
           <p:cNvPr id="4" name="Номер слайда 3">
             <a:extLst>
               <a:ext uri="{FF2B5EF4-FFF2-40B4-BE49-F238E27FC236}">
-                <a16:creationId xmlns:a16="http://schemas.microsoft.com/office/drawing/2014/main" xmlns="" id="{1F3003DE-498B-B822-8BFB-5A6E4BECDB3C}"/>
+                <a16:creationId xmlns="" xmlns:a16="http://schemas.microsoft.com/office/drawing/2014/main" id="{1F3003DE-498B-B822-8BFB-5A6E4BECDB3C}"/>
               </a:ext>
             </a:extLst>
           </p:cNvPr>
@@ -2895,7 +2896,7 @@
           <p:cNvPr id="2" name="Заголовок 1">
             <a:extLst>
               <a:ext uri="{FF2B5EF4-FFF2-40B4-BE49-F238E27FC236}">
-                <a16:creationId xmlns:a16="http://schemas.microsoft.com/office/drawing/2014/main" xmlns="" id="{BA3FD6EE-C9C9-54DB-6BEE-88E93FA351CF}"/>
+                <a16:creationId xmlns="" xmlns:a16="http://schemas.microsoft.com/office/drawing/2014/main" id="{BA3FD6EE-C9C9-54DB-6BEE-88E93FA351CF}"/>
               </a:ext>
             </a:extLst>
           </p:cNvPr>
@@ -2932,7 +2933,7 @@
           <p:cNvPr id="3" name="Объект 2">
             <a:extLst>
               <a:ext uri="{FF2B5EF4-FFF2-40B4-BE49-F238E27FC236}">
-                <a16:creationId xmlns:a16="http://schemas.microsoft.com/office/drawing/2014/main" xmlns="" id="{F1AA7DE6-63AC-E5BD-F509-A10C68D93BED}"/>
+                <a16:creationId xmlns="" xmlns:a16="http://schemas.microsoft.com/office/drawing/2014/main" id="{F1AA7DE6-63AC-E5BD-F509-A10C68D93BED}"/>
               </a:ext>
             </a:extLst>
           </p:cNvPr>
@@ -3022,7 +3023,7 @@
           <p:cNvPr id="4" name="Текст 3">
             <a:extLst>
               <a:ext uri="{FF2B5EF4-FFF2-40B4-BE49-F238E27FC236}">
-                <a16:creationId xmlns:a16="http://schemas.microsoft.com/office/drawing/2014/main" xmlns="" id="{FF0A0729-1E90-FCFD-041D-D77E0E5E53F9}"/>
+                <a16:creationId xmlns="" xmlns:a16="http://schemas.microsoft.com/office/drawing/2014/main" id="{FF0A0729-1E90-FCFD-041D-D77E0E5E53F9}"/>
               </a:ext>
             </a:extLst>
           </p:cNvPr>
@@ -3093,7 +3094,7 @@
           <p:cNvPr id="5" name="Дата 4">
             <a:extLst>
               <a:ext uri="{FF2B5EF4-FFF2-40B4-BE49-F238E27FC236}">
-                <a16:creationId xmlns:a16="http://schemas.microsoft.com/office/drawing/2014/main" xmlns="" id="{8878CEA8-2C70-D095-D561-B4840D078A25}"/>
+                <a16:creationId xmlns="" xmlns:a16="http://schemas.microsoft.com/office/drawing/2014/main" id="{8878CEA8-2C70-D095-D561-B4840D078A25}"/>
               </a:ext>
             </a:extLst>
           </p:cNvPr>
@@ -3122,7 +3123,7 @@
           <p:cNvPr id="6" name="Нижний колонтитул 5">
             <a:extLst>
               <a:ext uri="{FF2B5EF4-FFF2-40B4-BE49-F238E27FC236}">
-                <a16:creationId xmlns:a16="http://schemas.microsoft.com/office/drawing/2014/main" xmlns="" id="{B3692912-FDDF-2213-BAFA-73CAC6A27C7C}"/>
+                <a16:creationId xmlns="" xmlns:a16="http://schemas.microsoft.com/office/drawing/2014/main" id="{B3692912-FDDF-2213-BAFA-73CAC6A27C7C}"/>
               </a:ext>
             </a:extLst>
           </p:cNvPr>
@@ -3147,7 +3148,7 @@
           <p:cNvPr id="7" name="Номер слайда 6">
             <a:extLst>
               <a:ext uri="{FF2B5EF4-FFF2-40B4-BE49-F238E27FC236}">
-                <a16:creationId xmlns:a16="http://schemas.microsoft.com/office/drawing/2014/main" xmlns="" id="{964FE31E-8635-77A2-2B73-674E07349FBD}"/>
+                <a16:creationId xmlns="" xmlns:a16="http://schemas.microsoft.com/office/drawing/2014/main" id="{964FE31E-8635-77A2-2B73-674E07349FBD}"/>
               </a:ext>
             </a:extLst>
           </p:cNvPr>
@@ -3206,7 +3207,7 @@
           <p:cNvPr id="2" name="Заголовок 1">
             <a:extLst>
               <a:ext uri="{FF2B5EF4-FFF2-40B4-BE49-F238E27FC236}">
-                <a16:creationId xmlns:a16="http://schemas.microsoft.com/office/drawing/2014/main" xmlns="" id="{1936A843-E21A-BF63-6CF0-D85FB06D28BC}"/>
+                <a16:creationId xmlns="" xmlns:a16="http://schemas.microsoft.com/office/drawing/2014/main" id="{1936A843-E21A-BF63-6CF0-D85FB06D28BC}"/>
               </a:ext>
             </a:extLst>
           </p:cNvPr>
@@ -3243,7 +3244,7 @@
           <p:cNvPr id="3" name="Рисунок 2">
             <a:extLst>
               <a:ext uri="{FF2B5EF4-FFF2-40B4-BE49-F238E27FC236}">
-                <a16:creationId xmlns:a16="http://schemas.microsoft.com/office/drawing/2014/main" xmlns="" id="{ED34482B-B3C8-8D4F-2C82-9E50F12D873E}"/>
+                <a16:creationId xmlns="" xmlns:a16="http://schemas.microsoft.com/office/drawing/2014/main" id="{ED34482B-B3C8-8D4F-2C82-9E50F12D873E}"/>
               </a:ext>
             </a:extLst>
           </p:cNvPr>
@@ -3310,7 +3311,7 @@
           <p:cNvPr id="4" name="Текст 3">
             <a:extLst>
               <a:ext uri="{FF2B5EF4-FFF2-40B4-BE49-F238E27FC236}">
-                <a16:creationId xmlns:a16="http://schemas.microsoft.com/office/drawing/2014/main" xmlns="" id="{0BA78ED5-F305-AAD0-D181-BD768A06D8E8}"/>
+                <a16:creationId xmlns="" xmlns:a16="http://schemas.microsoft.com/office/drawing/2014/main" id="{0BA78ED5-F305-AAD0-D181-BD768A06D8E8}"/>
               </a:ext>
             </a:extLst>
           </p:cNvPr>
@@ -3381,7 +3382,7 @@
           <p:cNvPr id="5" name="Дата 4">
             <a:extLst>
               <a:ext uri="{FF2B5EF4-FFF2-40B4-BE49-F238E27FC236}">
-                <a16:creationId xmlns:a16="http://schemas.microsoft.com/office/drawing/2014/main" xmlns="" id="{56D386DF-6B97-6008-13C0-13F83B27F925}"/>
+                <a16:creationId xmlns="" xmlns:a16="http://schemas.microsoft.com/office/drawing/2014/main" id="{56D386DF-6B97-6008-13C0-13F83B27F925}"/>
               </a:ext>
             </a:extLst>
           </p:cNvPr>
@@ -3410,7 +3411,7 @@
           <p:cNvPr id="6" name="Нижний колонтитул 5">
             <a:extLst>
               <a:ext uri="{FF2B5EF4-FFF2-40B4-BE49-F238E27FC236}">
-                <a16:creationId xmlns:a16="http://schemas.microsoft.com/office/drawing/2014/main" xmlns="" id="{6548879A-81F4-3282-5EE8-36D445F4E4FA}"/>
+                <a16:creationId xmlns="" xmlns:a16="http://schemas.microsoft.com/office/drawing/2014/main" id="{6548879A-81F4-3282-5EE8-36D445F4E4FA}"/>
               </a:ext>
             </a:extLst>
           </p:cNvPr>
@@ -3435,7 +3436,7 @@
           <p:cNvPr id="7" name="Номер слайда 6">
             <a:extLst>
               <a:ext uri="{FF2B5EF4-FFF2-40B4-BE49-F238E27FC236}">
-                <a16:creationId xmlns:a16="http://schemas.microsoft.com/office/drawing/2014/main" xmlns="" id="{238CA507-3F9A-E6BA-BB39-55C7B03CD280}"/>
+                <a16:creationId xmlns="" xmlns:a16="http://schemas.microsoft.com/office/drawing/2014/main" id="{238CA507-3F9A-E6BA-BB39-55C7B03CD280}"/>
               </a:ext>
             </a:extLst>
           </p:cNvPr>
@@ -3499,7 +3500,7 @@
           <p:cNvPr id="2" name="Заголовок 1">
             <a:extLst>
               <a:ext uri="{FF2B5EF4-FFF2-40B4-BE49-F238E27FC236}">
-                <a16:creationId xmlns:a16="http://schemas.microsoft.com/office/drawing/2014/main" xmlns="" id="{C0D9593F-D9BC-9CD6-B7FF-C136344ABE8D}"/>
+                <a16:creationId xmlns="" xmlns:a16="http://schemas.microsoft.com/office/drawing/2014/main" id="{C0D9593F-D9BC-9CD6-B7FF-C136344ABE8D}"/>
               </a:ext>
             </a:extLst>
           </p:cNvPr>
@@ -3537,7 +3538,7 @@
           <p:cNvPr id="3" name="Текст 2">
             <a:extLst>
               <a:ext uri="{FF2B5EF4-FFF2-40B4-BE49-F238E27FC236}">
-                <a16:creationId xmlns:a16="http://schemas.microsoft.com/office/drawing/2014/main" xmlns="" id="{EDD86341-D2FC-E4BB-C98F-542DBFB94BCB}"/>
+                <a16:creationId xmlns="" xmlns:a16="http://schemas.microsoft.com/office/drawing/2014/main" id="{EDD86341-D2FC-E4BB-C98F-542DBFB94BCB}"/>
               </a:ext>
             </a:extLst>
           </p:cNvPr>
@@ -3604,7 +3605,7 @@
           <p:cNvPr id="4" name="Дата 3">
             <a:extLst>
               <a:ext uri="{FF2B5EF4-FFF2-40B4-BE49-F238E27FC236}">
-                <a16:creationId xmlns:a16="http://schemas.microsoft.com/office/drawing/2014/main" xmlns="" id="{37EECAD8-184B-0D7B-64AF-A4DC903505FC}"/>
+                <a16:creationId xmlns="" xmlns:a16="http://schemas.microsoft.com/office/drawing/2014/main" id="{37EECAD8-184B-0D7B-64AF-A4DC903505FC}"/>
               </a:ext>
             </a:extLst>
           </p:cNvPr>
@@ -3651,7 +3652,7 @@
           <p:cNvPr id="5" name="Нижний колонтитул 4">
             <a:extLst>
               <a:ext uri="{FF2B5EF4-FFF2-40B4-BE49-F238E27FC236}">
-                <a16:creationId xmlns:a16="http://schemas.microsoft.com/office/drawing/2014/main" xmlns="" id="{09795A65-061B-1F5B-0574-C64F117CFFBA}"/>
+                <a16:creationId xmlns="" xmlns:a16="http://schemas.microsoft.com/office/drawing/2014/main" id="{09795A65-061B-1F5B-0574-C64F117CFFBA}"/>
               </a:ext>
             </a:extLst>
           </p:cNvPr>
@@ -3694,7 +3695,7 @@
           <p:cNvPr id="6" name="Номер слайда 5">
             <a:extLst>
               <a:ext uri="{FF2B5EF4-FFF2-40B4-BE49-F238E27FC236}">
-                <a16:creationId xmlns:a16="http://schemas.microsoft.com/office/drawing/2014/main" xmlns="" id="{F548218E-4A3A-A2F7-E7C5-FF5D50522680}"/>
+                <a16:creationId xmlns="" xmlns:a16="http://schemas.microsoft.com/office/drawing/2014/main" id="{F548218E-4A3A-A2F7-E7C5-FF5D50522680}"/>
               </a:ext>
             </a:extLst>
           </p:cNvPr>
@@ -4063,7 +4064,7 @@
           <p:cNvPr id="6" name="Рисунок 5">
             <a:extLst>
               <a:ext uri="{FF2B5EF4-FFF2-40B4-BE49-F238E27FC236}">
-                <a16:creationId xmlns:a16="http://schemas.microsoft.com/office/drawing/2014/main" xmlns="" id="{BF9CB5A5-086A-4BC4-A3F9-0BFA2C0AEEDA}"/>
+                <a16:creationId xmlns="" xmlns:a16="http://schemas.microsoft.com/office/drawing/2014/main" id="{BF9CB5A5-086A-4BC4-A3F9-0BFA2C0AEEDA}"/>
               </a:ext>
             </a:extLst>
           </p:cNvPr>
@@ -4081,7 +4082,7 @@
         </p:blipFill>
         <p:spPr>
           <a:xfrm>
-            <a:off x="-1814528" y="-258161"/>
+            <a:off x="-1512524" y="-258161"/>
             <a:ext cx="10574215" cy="7116161"/>
           </a:xfrm>
         </p:spPr>
@@ -4091,7 +4092,7 @@
           <p:cNvPr id="2" name="Заголовок 1">
             <a:extLst>
               <a:ext uri="{FF2B5EF4-FFF2-40B4-BE49-F238E27FC236}">
-                <a16:creationId xmlns:a16="http://schemas.microsoft.com/office/drawing/2014/main" xmlns="" id="{216815C6-3AD0-46E6-A74A-1967BD91AF50}"/>
+                <a16:creationId xmlns="" xmlns:a16="http://schemas.microsoft.com/office/drawing/2014/main" id="{216815C6-3AD0-46E6-A74A-1967BD91AF50}"/>
               </a:ext>
             </a:extLst>
           </p:cNvPr>
@@ -4133,6 +4134,198 @@
     <p:extLst>
       <p:ext uri="{BB962C8B-B14F-4D97-AF65-F5344CB8AC3E}">
         <p14:creationId xmlns:p14="http://schemas.microsoft.com/office/powerpoint/2010/main" val="1642425379"/>
+      </p:ext>
+    </p:extLst>
+  </p:cSld>
+  <p:clrMapOvr>
+    <a:masterClrMapping/>
+  </p:clrMapOvr>
+  <p:timing>
+    <p:tnLst>
+      <p:par>
+        <p:cTn id="1" dur="indefinite" restart="never" nodeType="tmRoot"/>
+      </p:par>
+    </p:tnLst>
+  </p:timing>
+</p:sld>
+</file>
+
+<file path=ppt/slides/slide10.xml><?xml version="1.0" encoding="utf-8"?>
+<p:sld xmlns:a="http://schemas.openxmlformats.org/drawingml/2006/main" xmlns:r="http://schemas.openxmlformats.org/officeDocument/2006/relationships" xmlns:p="http://schemas.openxmlformats.org/presentationml/2006/main">
+  <p:cSld>
+    <p:bg>
+      <p:bgPr>
+        <a:blipFill dpi="0" rotWithShape="1">
+          <a:blip r:embed="rId2">
+            <a:alphaModFix amt="79000"/>
+            <a:lum/>
+          </a:blip>
+          <a:srcRect/>
+          <a:stretch>
+            <a:fillRect t="-17000" b="-17000"/>
+          </a:stretch>
+        </a:blipFill>
+        <a:effectLst/>
+      </p:bgPr>
+    </p:bg>
+    <p:spTree>
+      <p:nvGrpSpPr>
+        <p:cNvPr id="1" name=""/>
+        <p:cNvGrpSpPr/>
+        <p:nvPr/>
+      </p:nvGrpSpPr>
+      <p:grpSpPr>
+        <a:xfrm>
+          <a:off x="0" y="0"/>
+          <a:ext cx="0" cy="0"/>
+          <a:chOff x="0" y="0"/>
+          <a:chExt cx="0" cy="0"/>
+        </a:xfrm>
+      </p:grpSpPr>
+      <p:sp>
+        <p:nvSpPr>
+          <p:cNvPr id="18" name="TextBox 17">
+            <a:extLst>
+              <a:ext uri="{FF2B5EF4-FFF2-40B4-BE49-F238E27FC236}">
+                <a16:creationId xmlns="" xmlns:a16="http://schemas.microsoft.com/office/drawing/2014/main" id="{836620E6-1FD8-52EC-1962-5402F9EE0C31}"/>
+              </a:ext>
+            </a:extLst>
+          </p:cNvPr>
+          <p:cNvSpPr txBox="1"/>
+          <p:nvPr/>
+        </p:nvSpPr>
+        <p:spPr>
+          <a:xfrm>
+            <a:off x="16484" y="3385588"/>
+            <a:ext cx="6095998" cy="923330"/>
+          </a:xfrm>
+          <a:prstGeom prst="rect">
+            <a:avLst/>
+          </a:prstGeom>
+          <a:noFill/>
+        </p:spPr>
+        <p:txBody>
+          <a:bodyPr wrap="square" rtlCol="0">
+            <a:spAutoFit/>
+          </a:bodyPr>
+          <a:lstStyle/>
+          <a:p>
+            <a:pPr marL="514350" indent="-514350">
+              <a:buFont typeface="+mj-lt"/>
+              <a:buAutoNum type="arabicPeriod"/>
+            </a:pPr>
+            <a:endParaRPr lang="ru-RU" dirty="0" smtClean="0">
+              <a:solidFill>
+                <a:srgbClr val="270600"/>
+              </a:solidFill>
+              <a:latin typeface="+mj-lt"/>
+              <a:ea typeface="+mj-ea"/>
+              <a:cs typeface="+mj-cs"/>
+            </a:endParaRPr>
+          </a:p>
+          <a:p>
+            <a:pPr marL="514350" indent="-514350">
+              <a:buFont typeface="+mj-lt"/>
+              <a:buAutoNum type="arabicPeriod"/>
+            </a:pPr>
+            <a:endParaRPr lang="ru-RU" dirty="0" smtClean="0">
+              <a:solidFill>
+                <a:srgbClr val="270600"/>
+              </a:solidFill>
+              <a:latin typeface="+mj-lt"/>
+              <a:ea typeface="+mj-ea"/>
+              <a:cs typeface="+mj-cs"/>
+            </a:endParaRPr>
+          </a:p>
+          <a:p>
+            <a:pPr marL="514350" indent="-514350">
+              <a:buFont typeface="+mj-lt"/>
+              <a:buAutoNum type="arabicPeriod"/>
+            </a:pPr>
+            <a:endParaRPr lang="ru-RU" dirty="0">
+              <a:solidFill>
+                <a:srgbClr val="270600"/>
+              </a:solidFill>
+              <a:latin typeface="+mj-lt"/>
+              <a:ea typeface="+mj-ea"/>
+              <a:cs typeface="+mj-cs"/>
+            </a:endParaRPr>
+          </a:p>
+        </p:txBody>
+      </p:sp>
+      <p:sp>
+        <p:nvSpPr>
+          <p:cNvPr id="2" name="TextBox 1"/>
+          <p:cNvSpPr txBox="1"/>
+          <p:nvPr/>
+        </p:nvSpPr>
+        <p:spPr>
+          <a:xfrm>
+            <a:off x="0" y="1328286"/>
+            <a:ext cx="12192000" cy="1323439"/>
+          </a:xfrm>
+          <a:prstGeom prst="rect">
+            <a:avLst/>
+          </a:prstGeom>
+          <a:noFill/>
+        </p:spPr>
+        <p:txBody>
+          <a:bodyPr wrap="square" rtlCol="0">
+            <a:spAutoFit/>
+          </a:bodyPr>
+          <a:lstStyle/>
+          <a:p>
+            <a:pPr algn="ctr"/>
+            <a:r>
+              <a:rPr lang="ru-RU" sz="8000" dirty="0" smtClean="0"/>
+              <a:t>Спасибо за внимание</a:t>
+            </a:r>
+            <a:endParaRPr lang="ru-RU" sz="8000" dirty="0"/>
+          </a:p>
+        </p:txBody>
+      </p:sp>
+      <p:sp>
+        <p:nvSpPr>
+          <p:cNvPr id="4" name="TextBox 3"/>
+          <p:cNvSpPr txBox="1"/>
+          <p:nvPr/>
+        </p:nvSpPr>
+        <p:spPr>
+          <a:xfrm>
+            <a:off x="-86630" y="2833990"/>
+            <a:ext cx="12278629" cy="584775"/>
+          </a:xfrm>
+          <a:prstGeom prst="rect">
+            <a:avLst/>
+          </a:prstGeom>
+          <a:noFill/>
+        </p:spPr>
+        <p:txBody>
+          <a:bodyPr wrap="square" rtlCol="0">
+            <a:spAutoFit/>
+          </a:bodyPr>
+          <a:lstStyle/>
+          <a:p>
+            <a:r>
+              <a:rPr lang="en-US" sz="3200" dirty="0" smtClean="0"/>
+              <a:t>GitHub</a:t>
+            </a:r>
+            <a:r>
+              <a:rPr lang="en-US" sz="3200" dirty="0"/>
+              <a:t>: https://</a:t>
+            </a:r>
+            <a:r>
+              <a:rPr lang="en-US" sz="3200" dirty="0" smtClean="0"/>
+              <a:t>github.com/d-ryabov-biomsu/watermelons_classifier</a:t>
+            </a:r>
+            <a:endParaRPr lang="ru-RU" sz="3200" dirty="0"/>
+          </a:p>
+        </p:txBody>
+      </p:sp>
+    </p:spTree>
+    <p:extLst>
+      <p:ext uri="{BB962C8B-B14F-4D97-AF65-F5344CB8AC3E}">
+        <p14:creationId xmlns:p14="http://schemas.microsoft.com/office/powerpoint/2010/main" val="3774541768"/>
       </p:ext>
     </p:extLst>
   </p:cSld>
@@ -4171,7 +4364,7 @@
           <p:cNvPr id="3" name="TextBox 2">
             <a:extLst>
               <a:ext uri="{FF2B5EF4-FFF2-40B4-BE49-F238E27FC236}">
-                <a16:creationId xmlns:a16="http://schemas.microsoft.com/office/drawing/2014/main" xmlns="" id="{B72D1624-AE22-2E3B-AD80-9E06EDC71A6C}"/>
+                <a16:creationId xmlns="" xmlns:a16="http://schemas.microsoft.com/office/drawing/2014/main" id="{B72D1624-AE22-2E3B-AD80-9E06EDC71A6C}"/>
               </a:ext>
             </a:extLst>
           </p:cNvPr>
@@ -4213,7 +4406,7 @@
           <p:cNvPr id="2" name="Прямоугольник 1">
             <a:extLst>
               <a:ext uri="{FF2B5EF4-FFF2-40B4-BE49-F238E27FC236}">
-                <a16:creationId xmlns:a16="http://schemas.microsoft.com/office/drawing/2014/main" xmlns="" id="{A98DD7BE-BBED-06C4-DE76-9D0C008389E7}"/>
+                <a16:creationId xmlns="" xmlns:a16="http://schemas.microsoft.com/office/drawing/2014/main" id="{A98DD7BE-BBED-06C4-DE76-9D0C008389E7}"/>
               </a:ext>
             </a:extLst>
           </p:cNvPr>
@@ -4282,7 +4475,7 @@
           <p:cNvPr id="5" name="TextBox 4">
             <a:extLst>
               <a:ext uri="{FF2B5EF4-FFF2-40B4-BE49-F238E27FC236}">
-                <a16:creationId xmlns:a16="http://schemas.microsoft.com/office/drawing/2014/main" xmlns="" id="{C1F9F74B-BD77-5264-5281-6C1B98443527}"/>
+                <a16:creationId xmlns="" xmlns:a16="http://schemas.microsoft.com/office/drawing/2014/main" id="{C1F9F74B-BD77-5264-5281-6C1B98443527}"/>
               </a:ext>
             </a:extLst>
           </p:cNvPr>
@@ -4392,7 +4585,7 @@
           <p:cNvPr id="5" name="Прямоугольник 4">
             <a:extLst>
               <a:ext uri="{FF2B5EF4-FFF2-40B4-BE49-F238E27FC236}">
-                <a16:creationId xmlns:a16="http://schemas.microsoft.com/office/drawing/2014/main" xmlns="" id="{73B192AF-348E-2663-47BC-0AABED9503C3}"/>
+                <a16:creationId xmlns="" xmlns:a16="http://schemas.microsoft.com/office/drawing/2014/main" id="{73B192AF-348E-2663-47BC-0AABED9503C3}"/>
               </a:ext>
             </a:extLst>
           </p:cNvPr>
@@ -4444,7 +4637,7 @@
           <p:cNvPr id="6" name="Прямоугольник 5">
             <a:extLst>
               <a:ext uri="{FF2B5EF4-FFF2-40B4-BE49-F238E27FC236}">
-                <a16:creationId xmlns:a16="http://schemas.microsoft.com/office/drawing/2014/main" xmlns="" id="{EE4C1C1F-FA7E-D53E-DDA1-701D9419227C}"/>
+                <a16:creationId xmlns="" xmlns:a16="http://schemas.microsoft.com/office/drawing/2014/main" id="{EE4C1C1F-FA7E-D53E-DDA1-701D9419227C}"/>
               </a:ext>
             </a:extLst>
           </p:cNvPr>
@@ -4498,7 +4691,7 @@
           <p:cNvPr id="7" name="TextBox 6">
             <a:extLst>
               <a:ext uri="{FF2B5EF4-FFF2-40B4-BE49-F238E27FC236}">
-                <a16:creationId xmlns:a16="http://schemas.microsoft.com/office/drawing/2014/main" xmlns="" id="{62B0D692-2B7E-C577-3294-E010722123A8}"/>
+                <a16:creationId xmlns="" xmlns:a16="http://schemas.microsoft.com/office/drawing/2014/main" id="{62B0D692-2B7E-C577-3294-E010722123A8}"/>
               </a:ext>
             </a:extLst>
           </p:cNvPr>
@@ -4540,7 +4733,7 @@
           <p:cNvPr id="8" name="Прямоугольник 7">
             <a:extLst>
               <a:ext uri="{FF2B5EF4-FFF2-40B4-BE49-F238E27FC236}">
-                <a16:creationId xmlns:a16="http://schemas.microsoft.com/office/drawing/2014/main" xmlns="" id="{E8D6D1BC-6029-F011-050B-909B37ED0200}"/>
+                <a16:creationId xmlns="" xmlns:a16="http://schemas.microsoft.com/office/drawing/2014/main" id="{E8D6D1BC-6029-F011-050B-909B37ED0200}"/>
               </a:ext>
             </a:extLst>
           </p:cNvPr>
@@ -4594,7 +4787,7 @@
           <p:cNvPr id="9" name="Прямоугольник 8">
             <a:extLst>
               <a:ext uri="{FF2B5EF4-FFF2-40B4-BE49-F238E27FC236}">
-                <a16:creationId xmlns:a16="http://schemas.microsoft.com/office/drawing/2014/main" xmlns="" id="{BD453C53-E4B0-B2C6-CAC8-2A8243A9C784}"/>
+                <a16:creationId xmlns="" xmlns:a16="http://schemas.microsoft.com/office/drawing/2014/main" id="{BD453C53-E4B0-B2C6-CAC8-2A8243A9C784}"/>
               </a:ext>
             </a:extLst>
           </p:cNvPr>
@@ -4648,7 +4841,7 @@
           <p:cNvPr id="10" name="TextBox 9">
             <a:extLst>
               <a:ext uri="{FF2B5EF4-FFF2-40B4-BE49-F238E27FC236}">
-                <a16:creationId xmlns:a16="http://schemas.microsoft.com/office/drawing/2014/main" xmlns="" id="{C40B400E-CD87-FE42-A812-08B815CD7E7C}"/>
+                <a16:creationId xmlns="" xmlns:a16="http://schemas.microsoft.com/office/drawing/2014/main" id="{C40B400E-CD87-FE42-A812-08B815CD7E7C}"/>
               </a:ext>
             </a:extLst>
           </p:cNvPr>
@@ -4691,7 +4884,7 @@
           <p:cNvPr id="11" name="TextBox 10">
             <a:extLst>
               <a:ext uri="{FF2B5EF4-FFF2-40B4-BE49-F238E27FC236}">
-                <a16:creationId xmlns:a16="http://schemas.microsoft.com/office/drawing/2014/main" xmlns="" id="{30840B43-9A15-0322-9258-EA075E1C2EF1}"/>
+                <a16:creationId xmlns="" xmlns:a16="http://schemas.microsoft.com/office/drawing/2014/main" id="{30840B43-9A15-0322-9258-EA075E1C2EF1}"/>
               </a:ext>
             </a:extLst>
           </p:cNvPr>
@@ -4734,7 +4927,7 @@
           <p:cNvPr id="12" name="TextBox 11">
             <a:extLst>
               <a:ext uri="{FF2B5EF4-FFF2-40B4-BE49-F238E27FC236}">
-                <a16:creationId xmlns:a16="http://schemas.microsoft.com/office/drawing/2014/main" xmlns="" id="{9E79D54B-6F38-F46E-B3D7-613103EFE8AE}"/>
+                <a16:creationId xmlns="" xmlns:a16="http://schemas.microsoft.com/office/drawing/2014/main" id="{9E79D54B-6F38-F46E-B3D7-613103EFE8AE}"/>
               </a:ext>
             </a:extLst>
           </p:cNvPr>
@@ -4777,7 +4970,7 @@
           <p:cNvPr id="13" name="TextBox 12">
             <a:extLst>
               <a:ext uri="{FF2B5EF4-FFF2-40B4-BE49-F238E27FC236}">
-                <a16:creationId xmlns:a16="http://schemas.microsoft.com/office/drawing/2014/main" xmlns="" id="{E7B6B1F8-AED1-D134-769E-8B5B86F17317}"/>
+                <a16:creationId xmlns="" xmlns:a16="http://schemas.microsoft.com/office/drawing/2014/main" id="{E7B6B1F8-AED1-D134-769E-8B5B86F17317}"/>
               </a:ext>
             </a:extLst>
           </p:cNvPr>
@@ -4842,7 +5035,7 @@
           <p:cNvPr id="14" name="TextBox 13">
             <a:extLst>
               <a:ext uri="{FF2B5EF4-FFF2-40B4-BE49-F238E27FC236}">
-                <a16:creationId xmlns:a16="http://schemas.microsoft.com/office/drawing/2014/main" xmlns="" id="{3A4DB735-EC40-4F0A-9119-238AC2ED5F7E}"/>
+                <a16:creationId xmlns="" xmlns:a16="http://schemas.microsoft.com/office/drawing/2014/main" id="{3A4DB735-EC40-4F0A-9119-238AC2ED5F7E}"/>
               </a:ext>
             </a:extLst>
           </p:cNvPr>
@@ -4885,7 +5078,7 @@
           <p:cNvPr id="15" name="TextBox 14">
             <a:extLst>
               <a:ext uri="{FF2B5EF4-FFF2-40B4-BE49-F238E27FC236}">
-                <a16:creationId xmlns:a16="http://schemas.microsoft.com/office/drawing/2014/main" xmlns="" id="{1C86938E-2006-5224-B5E1-D53C87F58026}"/>
+                <a16:creationId xmlns="" xmlns:a16="http://schemas.microsoft.com/office/drawing/2014/main" id="{1C86938E-2006-5224-B5E1-D53C87F58026}"/>
               </a:ext>
             </a:extLst>
           </p:cNvPr>
@@ -4928,7 +5121,7 @@
           <p:cNvPr id="16" name="TextBox 15">
             <a:extLst>
               <a:ext uri="{FF2B5EF4-FFF2-40B4-BE49-F238E27FC236}">
-                <a16:creationId xmlns:a16="http://schemas.microsoft.com/office/drawing/2014/main" xmlns="" id="{0814FFCF-C74A-C904-8586-F0085486D65B}"/>
+                <a16:creationId xmlns="" xmlns:a16="http://schemas.microsoft.com/office/drawing/2014/main" id="{0814FFCF-C74A-C904-8586-F0085486D65B}"/>
               </a:ext>
             </a:extLst>
           </p:cNvPr>
@@ -4971,7 +5164,7 @@
           <p:cNvPr id="17" name="TextBox 16">
             <a:extLst>
               <a:ext uri="{FF2B5EF4-FFF2-40B4-BE49-F238E27FC236}">
-                <a16:creationId xmlns:a16="http://schemas.microsoft.com/office/drawing/2014/main" xmlns="" id="{D7CA5449-8C50-3BAC-6767-A5F711449899}"/>
+                <a16:creationId xmlns="" xmlns:a16="http://schemas.microsoft.com/office/drawing/2014/main" id="{D7CA5449-8C50-3BAC-6767-A5F711449899}"/>
               </a:ext>
             </a:extLst>
           </p:cNvPr>
@@ -5014,7 +5207,7 @@
           <p:cNvPr id="18" name="TextBox 17">
             <a:extLst>
               <a:ext uri="{FF2B5EF4-FFF2-40B4-BE49-F238E27FC236}">
-                <a16:creationId xmlns:a16="http://schemas.microsoft.com/office/drawing/2014/main" xmlns="" id="{439DDD98-C97F-8067-5278-504BADB9F8F8}"/>
+                <a16:creationId xmlns="" xmlns:a16="http://schemas.microsoft.com/office/drawing/2014/main" id="{439DDD98-C97F-8067-5278-504BADB9F8F8}"/>
               </a:ext>
             </a:extLst>
           </p:cNvPr>
@@ -5057,7 +5250,7 @@
           <p:cNvPr id="20" name="TextBox 19">
             <a:extLst>
               <a:ext uri="{FF2B5EF4-FFF2-40B4-BE49-F238E27FC236}">
-                <a16:creationId xmlns:a16="http://schemas.microsoft.com/office/drawing/2014/main" xmlns="" id="{61ED402D-FB45-66A7-09E8-E67D699671D2}"/>
+                <a16:creationId xmlns="" xmlns:a16="http://schemas.microsoft.com/office/drawing/2014/main" id="{61ED402D-FB45-66A7-09E8-E67D699671D2}"/>
               </a:ext>
             </a:extLst>
           </p:cNvPr>
@@ -5100,7 +5293,7 @@
           <p:cNvPr id="21" name="TextBox 20">
             <a:extLst>
               <a:ext uri="{FF2B5EF4-FFF2-40B4-BE49-F238E27FC236}">
-                <a16:creationId xmlns:a16="http://schemas.microsoft.com/office/drawing/2014/main" xmlns="" id="{8FF1431A-074D-FF4D-251D-686920377FA1}"/>
+                <a16:creationId xmlns="" xmlns:a16="http://schemas.microsoft.com/office/drawing/2014/main" id="{8FF1431A-074D-FF4D-251D-686920377FA1}"/>
               </a:ext>
             </a:extLst>
           </p:cNvPr>
@@ -5143,7 +5336,7 @@
           <p:cNvPr id="22" name="TextBox 21">
             <a:extLst>
               <a:ext uri="{FF2B5EF4-FFF2-40B4-BE49-F238E27FC236}">
-                <a16:creationId xmlns:a16="http://schemas.microsoft.com/office/drawing/2014/main" xmlns="" id="{348B4F46-2128-22D9-3F3F-29E6A329BD84}"/>
+                <a16:creationId xmlns="" xmlns:a16="http://schemas.microsoft.com/office/drawing/2014/main" id="{348B4F46-2128-22D9-3F3F-29E6A329BD84}"/>
               </a:ext>
             </a:extLst>
           </p:cNvPr>
@@ -5186,7 +5379,7 @@
           <p:cNvPr id="26" name="TextBox 25">
             <a:extLst>
               <a:ext uri="{FF2B5EF4-FFF2-40B4-BE49-F238E27FC236}">
-                <a16:creationId xmlns:a16="http://schemas.microsoft.com/office/drawing/2014/main" xmlns="" id="{1ED27049-07AE-DCD3-7854-0408C9FCB010}"/>
+                <a16:creationId xmlns="" xmlns:a16="http://schemas.microsoft.com/office/drawing/2014/main" id="{1ED27049-07AE-DCD3-7854-0408C9FCB010}"/>
               </a:ext>
             </a:extLst>
           </p:cNvPr>
@@ -5229,7 +5422,7 @@
           <p:cNvPr id="27" name="TextBox 26">
             <a:extLst>
               <a:ext uri="{FF2B5EF4-FFF2-40B4-BE49-F238E27FC236}">
-                <a16:creationId xmlns:a16="http://schemas.microsoft.com/office/drawing/2014/main" xmlns="" id="{8842C747-02DD-A189-63B1-B647646082B0}"/>
+                <a16:creationId xmlns="" xmlns:a16="http://schemas.microsoft.com/office/drawing/2014/main" id="{8842C747-02DD-A189-63B1-B647646082B0}"/>
               </a:ext>
             </a:extLst>
           </p:cNvPr>
@@ -5272,7 +5465,7 @@
           <p:cNvPr id="28" name="TextBox 27">
             <a:extLst>
               <a:ext uri="{FF2B5EF4-FFF2-40B4-BE49-F238E27FC236}">
-                <a16:creationId xmlns:a16="http://schemas.microsoft.com/office/drawing/2014/main" xmlns="" id="{56D53B5A-211D-D608-9AA4-CA5978B4B406}"/>
+                <a16:creationId xmlns="" xmlns:a16="http://schemas.microsoft.com/office/drawing/2014/main" id="{56D53B5A-211D-D608-9AA4-CA5978B4B406}"/>
               </a:ext>
             </a:extLst>
           </p:cNvPr>
@@ -5315,7 +5508,7 @@
           <p:cNvPr id="29" name="TextBox 28">
             <a:extLst>
               <a:ext uri="{FF2B5EF4-FFF2-40B4-BE49-F238E27FC236}">
-                <a16:creationId xmlns:a16="http://schemas.microsoft.com/office/drawing/2014/main" xmlns="" id="{6FB553FA-9A8E-ACAE-0EB2-7EF241F2738F}"/>
+                <a16:creationId xmlns="" xmlns:a16="http://schemas.microsoft.com/office/drawing/2014/main" id="{6FB553FA-9A8E-ACAE-0EB2-7EF241F2738F}"/>
               </a:ext>
             </a:extLst>
           </p:cNvPr>
@@ -5395,7 +5588,7 @@
           <p:cNvPr id="3" name="TextBox 2">
             <a:extLst>
               <a:ext uri="{FF2B5EF4-FFF2-40B4-BE49-F238E27FC236}">
-                <a16:creationId xmlns:a16="http://schemas.microsoft.com/office/drawing/2014/main" xmlns="" id="{B72D1624-AE22-2E3B-AD80-9E06EDC71A6C}"/>
+                <a16:creationId xmlns="" xmlns:a16="http://schemas.microsoft.com/office/drawing/2014/main" id="{B72D1624-AE22-2E3B-AD80-9E06EDC71A6C}"/>
               </a:ext>
             </a:extLst>
           </p:cNvPr>
@@ -5437,7 +5630,7 @@
           <p:cNvPr id="6" name="Прямоугольник 5">
             <a:extLst>
               <a:ext uri="{FF2B5EF4-FFF2-40B4-BE49-F238E27FC236}">
-                <a16:creationId xmlns:a16="http://schemas.microsoft.com/office/drawing/2014/main" xmlns="" id="{5CCE3B78-513E-DC15-9CC5-F3FCAFC3F00E}"/>
+                <a16:creationId xmlns="" xmlns:a16="http://schemas.microsoft.com/office/drawing/2014/main" id="{5CCE3B78-513E-DC15-9CC5-F3FCAFC3F00E}"/>
               </a:ext>
             </a:extLst>
           </p:cNvPr>
@@ -5491,7 +5684,7 @@
           <p:cNvPr id="7" name="Прямоугольник 6">
             <a:extLst>
               <a:ext uri="{FF2B5EF4-FFF2-40B4-BE49-F238E27FC236}">
-                <a16:creationId xmlns:a16="http://schemas.microsoft.com/office/drawing/2014/main" xmlns="" id="{7D8E4982-D824-642D-FB40-2199FBFDE36C}"/>
+                <a16:creationId xmlns="" xmlns:a16="http://schemas.microsoft.com/office/drawing/2014/main" id="{7D8E4982-D824-642D-FB40-2199FBFDE36C}"/>
               </a:ext>
             </a:extLst>
           </p:cNvPr>
@@ -5543,7 +5736,7 @@
           <p:cNvPr id="8" name="TextBox 7">
             <a:extLst>
               <a:ext uri="{FF2B5EF4-FFF2-40B4-BE49-F238E27FC236}">
-                <a16:creationId xmlns:a16="http://schemas.microsoft.com/office/drawing/2014/main" xmlns="" id="{D5943A1F-367C-AA3A-F7D9-1D498D44FD30}"/>
+                <a16:creationId xmlns="" xmlns:a16="http://schemas.microsoft.com/office/drawing/2014/main" id="{D5943A1F-367C-AA3A-F7D9-1D498D44FD30}"/>
               </a:ext>
             </a:extLst>
           </p:cNvPr>
@@ -5646,7 +5839,7 @@
           <p:cNvPr id="9" name="TextBox 8">
             <a:extLst>
               <a:ext uri="{FF2B5EF4-FFF2-40B4-BE49-F238E27FC236}">
-                <a16:creationId xmlns:a16="http://schemas.microsoft.com/office/drawing/2014/main" xmlns="" id="{B41B53EF-F66E-ECA2-66F3-B714E2AC33D4}"/>
+                <a16:creationId xmlns="" xmlns:a16="http://schemas.microsoft.com/office/drawing/2014/main" id="{B41B53EF-F66E-ECA2-66F3-B714E2AC33D4}"/>
               </a:ext>
             </a:extLst>
           </p:cNvPr>
@@ -5689,7 +5882,7 @@
           <p:cNvPr id="10" name="TextBox 9">
             <a:extLst>
               <a:ext uri="{FF2B5EF4-FFF2-40B4-BE49-F238E27FC236}">
-                <a16:creationId xmlns:a16="http://schemas.microsoft.com/office/drawing/2014/main" xmlns="" id="{2C311B7E-DE00-E4BF-E09B-302999722875}"/>
+                <a16:creationId xmlns="" xmlns:a16="http://schemas.microsoft.com/office/drawing/2014/main" id="{2C311B7E-DE00-E4BF-E09B-302999722875}"/>
               </a:ext>
             </a:extLst>
           </p:cNvPr>
@@ -5731,7 +5924,7 @@
           <p:cNvPr id="11" name="TextBox 10">
             <a:extLst>
               <a:ext uri="{FF2B5EF4-FFF2-40B4-BE49-F238E27FC236}">
-                <a16:creationId xmlns:a16="http://schemas.microsoft.com/office/drawing/2014/main" xmlns="" id="{836620E6-1FD8-52EC-1962-5402F9EE0C31}"/>
+                <a16:creationId xmlns="" xmlns:a16="http://schemas.microsoft.com/office/drawing/2014/main" id="{836620E6-1FD8-52EC-1962-5402F9EE0C31}"/>
               </a:ext>
             </a:extLst>
           </p:cNvPr>
@@ -5775,7 +5968,7 @@
               <p:cNvPr id="12" name="TextBox 11">
                 <a:extLst>
                   <a:ext uri="{FF2B5EF4-FFF2-40B4-BE49-F238E27FC236}">
-                    <a16:creationId xmlns:a16="http://schemas.microsoft.com/office/drawing/2014/main" xmlns="" id="{3F31C1F0-1F72-0D86-3A60-95AD550A2E7B}"/>
+                    <a16:creationId xmlns="" xmlns:a16="http://schemas.microsoft.com/office/drawing/2014/main" id="{3F31C1F0-1F72-0D86-3A60-95AD550A2E7B}"/>
                   </a:ext>
                 </a:extLst>
               </p:cNvPr>
@@ -6446,7 +6639,7 @@
           <p:cNvPr id="13" name="TextBox 12">
             <a:extLst>
               <a:ext uri="{FF2B5EF4-FFF2-40B4-BE49-F238E27FC236}">
-                <a16:creationId xmlns:a16="http://schemas.microsoft.com/office/drawing/2014/main" xmlns="" id="{0DF7CF4D-8A01-7747-BDFC-8A71766ACCA7}"/>
+                <a16:creationId xmlns="" xmlns:a16="http://schemas.microsoft.com/office/drawing/2014/main" id="{0DF7CF4D-8A01-7747-BDFC-8A71766ACCA7}"/>
               </a:ext>
             </a:extLst>
           </p:cNvPr>
@@ -6579,7 +6772,7 @@
           <p:cNvPr id="14" name="TextBox 13">
             <a:extLst>
               <a:ext uri="{FF2B5EF4-FFF2-40B4-BE49-F238E27FC236}">
-                <a16:creationId xmlns:a16="http://schemas.microsoft.com/office/drawing/2014/main" xmlns="" id="{DA455478-430A-EB34-28C0-7E01CA4BAD6A}"/>
+                <a16:creationId xmlns="" xmlns:a16="http://schemas.microsoft.com/office/drawing/2014/main" id="{DA455478-430A-EB34-28C0-7E01CA4BAD6A}"/>
               </a:ext>
             </a:extLst>
           </p:cNvPr>
@@ -6621,7 +6814,7 @@
           <p:cNvPr id="15" name="TextBox 14">
             <a:extLst>
               <a:ext uri="{FF2B5EF4-FFF2-40B4-BE49-F238E27FC236}">
-                <a16:creationId xmlns:a16="http://schemas.microsoft.com/office/drawing/2014/main" xmlns="" id="{C9DB80B8-7C60-9665-9158-E0B5ECB924C4}"/>
+                <a16:creationId xmlns="" xmlns:a16="http://schemas.microsoft.com/office/drawing/2014/main" id="{C9DB80B8-7C60-9665-9158-E0B5ECB924C4}"/>
               </a:ext>
             </a:extLst>
           </p:cNvPr>
@@ -6663,7 +6856,7 @@
           <p:cNvPr id="16" name="TextBox 15">
             <a:extLst>
               <a:ext uri="{FF2B5EF4-FFF2-40B4-BE49-F238E27FC236}">
-                <a16:creationId xmlns:a16="http://schemas.microsoft.com/office/drawing/2014/main" xmlns="" id="{7B6AE460-B477-E548-2AA9-D7D5C17F244D}"/>
+                <a16:creationId xmlns="" xmlns:a16="http://schemas.microsoft.com/office/drawing/2014/main" id="{7B6AE460-B477-E548-2AA9-D7D5C17F244D}"/>
               </a:ext>
             </a:extLst>
           </p:cNvPr>
@@ -6706,7 +6899,7 @@
           <p:cNvPr id="17" name="TextBox 16">
             <a:extLst>
               <a:ext uri="{FF2B5EF4-FFF2-40B4-BE49-F238E27FC236}">
-                <a16:creationId xmlns:a16="http://schemas.microsoft.com/office/drawing/2014/main" xmlns="" id="{2A404605-6746-40F1-03DB-77369A6C9E71}"/>
+                <a16:creationId xmlns="" xmlns:a16="http://schemas.microsoft.com/office/drawing/2014/main" id="{2A404605-6746-40F1-03DB-77369A6C9E71}"/>
               </a:ext>
             </a:extLst>
           </p:cNvPr>
@@ -6851,7 +7044,7 @@
           <p:cNvPr id="5" name="Прямоугольник 4">
             <a:extLst>
               <a:ext uri="{FF2B5EF4-FFF2-40B4-BE49-F238E27FC236}">
-                <a16:creationId xmlns:a16="http://schemas.microsoft.com/office/drawing/2014/main" xmlns="" id="{6A6CB89B-1ACA-04FD-1EE2-084CFADCD65F}"/>
+                <a16:creationId xmlns="" xmlns:a16="http://schemas.microsoft.com/office/drawing/2014/main" id="{6A6CB89B-1ACA-04FD-1EE2-084CFADCD65F}"/>
               </a:ext>
             </a:extLst>
           </p:cNvPr>
@@ -6905,7 +7098,7 @@
           <p:cNvPr id="3" name="TextBox 2">
             <a:extLst>
               <a:ext uri="{FF2B5EF4-FFF2-40B4-BE49-F238E27FC236}">
-                <a16:creationId xmlns:a16="http://schemas.microsoft.com/office/drawing/2014/main" xmlns="" id="{6DFDE46C-C18F-2E6C-084F-310AE135589C}"/>
+                <a16:creationId xmlns="" xmlns:a16="http://schemas.microsoft.com/office/drawing/2014/main" id="{6DFDE46C-C18F-2E6C-084F-310AE135589C}"/>
               </a:ext>
             </a:extLst>
           </p:cNvPr>
@@ -6947,7 +7140,7 @@
           <p:cNvPr id="6" name="TextBox 5">
             <a:extLst>
               <a:ext uri="{FF2B5EF4-FFF2-40B4-BE49-F238E27FC236}">
-                <a16:creationId xmlns:a16="http://schemas.microsoft.com/office/drawing/2014/main" xmlns="" id="{46443D33-303F-3B89-F2D3-D4F7BDF39C3B}"/>
+                <a16:creationId xmlns="" xmlns:a16="http://schemas.microsoft.com/office/drawing/2014/main" id="{46443D33-303F-3B89-F2D3-D4F7BDF39C3B}"/>
               </a:ext>
             </a:extLst>
           </p:cNvPr>
@@ -6990,7 +7183,7 @@
           <p:cNvPr id="7" name="TextBox 6">
             <a:extLst>
               <a:ext uri="{FF2B5EF4-FFF2-40B4-BE49-F238E27FC236}">
-                <a16:creationId xmlns:a16="http://schemas.microsoft.com/office/drawing/2014/main" xmlns="" id="{5FD08132-A3E4-CEAE-D9C5-45C3CAAFE46A}"/>
+                <a16:creationId xmlns="" xmlns:a16="http://schemas.microsoft.com/office/drawing/2014/main" id="{5FD08132-A3E4-CEAE-D9C5-45C3CAAFE46A}"/>
               </a:ext>
             </a:extLst>
           </p:cNvPr>
@@ -7032,7 +7225,7 @@
           <p:cNvPr id="8" name="TextBox 7">
             <a:extLst>
               <a:ext uri="{FF2B5EF4-FFF2-40B4-BE49-F238E27FC236}">
-                <a16:creationId xmlns:a16="http://schemas.microsoft.com/office/drawing/2014/main" xmlns="" id="{74893735-16AD-AE9F-B6A7-FE0CFDEFBFD6}"/>
+                <a16:creationId xmlns="" xmlns:a16="http://schemas.microsoft.com/office/drawing/2014/main" id="{74893735-16AD-AE9F-B6A7-FE0CFDEFBFD6}"/>
               </a:ext>
             </a:extLst>
           </p:cNvPr>
@@ -7074,7 +7267,7 @@
           <p:cNvPr id="9" name="TextBox 8">
             <a:extLst>
               <a:ext uri="{FF2B5EF4-FFF2-40B4-BE49-F238E27FC236}">
-                <a16:creationId xmlns:a16="http://schemas.microsoft.com/office/drawing/2014/main" xmlns="" id="{A1A29B79-61FB-A52E-6D70-2904501F072A}"/>
+                <a16:creationId xmlns="" xmlns:a16="http://schemas.microsoft.com/office/drawing/2014/main" id="{A1A29B79-61FB-A52E-6D70-2904501F072A}"/>
               </a:ext>
             </a:extLst>
           </p:cNvPr>
@@ -7232,7 +7425,7 @@
           <p:cNvPr id="10" name="Прямоугольник 9">
             <a:extLst>
               <a:ext uri="{FF2B5EF4-FFF2-40B4-BE49-F238E27FC236}">
-                <a16:creationId xmlns:a16="http://schemas.microsoft.com/office/drawing/2014/main" xmlns="" id="{F83AC0A0-2D8E-8881-7B59-E78BB5FE64D5}"/>
+                <a16:creationId xmlns="" xmlns:a16="http://schemas.microsoft.com/office/drawing/2014/main" id="{F83AC0A0-2D8E-8881-7B59-E78BB5FE64D5}"/>
               </a:ext>
             </a:extLst>
           </p:cNvPr>
@@ -7286,7 +7479,7 @@
           <p:cNvPr id="11" name="TextBox 10">
             <a:extLst>
               <a:ext uri="{FF2B5EF4-FFF2-40B4-BE49-F238E27FC236}">
-                <a16:creationId xmlns:a16="http://schemas.microsoft.com/office/drawing/2014/main" xmlns="" id="{014A990A-AC1F-5514-CA79-F94D677488E0}"/>
+                <a16:creationId xmlns="" xmlns:a16="http://schemas.microsoft.com/office/drawing/2014/main" id="{014A990A-AC1F-5514-CA79-F94D677488E0}"/>
               </a:ext>
             </a:extLst>
           </p:cNvPr>
@@ -7329,7 +7522,7 @@
           <p:cNvPr id="12" name="TextBox 11">
             <a:extLst>
               <a:ext uri="{FF2B5EF4-FFF2-40B4-BE49-F238E27FC236}">
-                <a16:creationId xmlns:a16="http://schemas.microsoft.com/office/drawing/2014/main" xmlns="" id="{84014091-3891-39E2-37D1-B306E51744C1}"/>
+                <a16:creationId xmlns="" xmlns:a16="http://schemas.microsoft.com/office/drawing/2014/main" id="{84014091-3891-39E2-37D1-B306E51744C1}"/>
               </a:ext>
             </a:extLst>
           </p:cNvPr>
@@ -7428,7 +7621,7 @@
           <p:cNvPr id="4" name="TextBox 3">
             <a:extLst>
               <a:ext uri="{FF2B5EF4-FFF2-40B4-BE49-F238E27FC236}">
-                <a16:creationId xmlns:a16="http://schemas.microsoft.com/office/drawing/2014/main" xmlns="" id="{12CCEDC0-C4B2-FB9B-407D-50BBD3BA0B8C}"/>
+                <a16:creationId xmlns="" xmlns:a16="http://schemas.microsoft.com/office/drawing/2014/main" id="{12CCEDC0-C4B2-FB9B-407D-50BBD3BA0B8C}"/>
               </a:ext>
             </a:extLst>
           </p:cNvPr>
@@ -7568,7 +7761,7 @@
           <p:cNvPr id="3" name="TextBox 2">
             <a:extLst>
               <a:ext uri="{FF2B5EF4-FFF2-40B4-BE49-F238E27FC236}">
-                <a16:creationId xmlns:a16="http://schemas.microsoft.com/office/drawing/2014/main" xmlns="" id="{B72D1624-AE22-2E3B-AD80-9E06EDC71A6C}"/>
+                <a16:creationId xmlns="" xmlns:a16="http://schemas.microsoft.com/office/drawing/2014/main" id="{B72D1624-AE22-2E3B-AD80-9E06EDC71A6C}"/>
               </a:ext>
             </a:extLst>
           </p:cNvPr>
@@ -7629,7 +7822,7 @@
           <p:cNvPr id="2" name="Прямоугольник 1">
             <a:extLst>
               <a:ext uri="{FF2B5EF4-FFF2-40B4-BE49-F238E27FC236}">
-                <a16:creationId xmlns:a16="http://schemas.microsoft.com/office/drawing/2014/main" xmlns="" id="{A98DD7BE-BBED-06C4-DE76-9D0C008389E7}"/>
+                <a16:creationId xmlns="" xmlns:a16="http://schemas.microsoft.com/office/drawing/2014/main" id="{A98DD7BE-BBED-06C4-DE76-9D0C008389E7}"/>
               </a:ext>
             </a:extLst>
           </p:cNvPr>
@@ -8281,7 +8474,7 @@
           <p:cNvPr id="5" name="Прямоугольник 4">
             <a:extLst>
               <a:ext uri="{FF2B5EF4-FFF2-40B4-BE49-F238E27FC236}">
-                <a16:creationId xmlns:a16="http://schemas.microsoft.com/office/drawing/2014/main" xmlns="" id="{6A6CB89B-1ACA-04FD-1EE2-084CFADCD65F}"/>
+                <a16:creationId xmlns="" xmlns:a16="http://schemas.microsoft.com/office/drawing/2014/main" id="{6A6CB89B-1ACA-04FD-1EE2-084CFADCD65F}"/>
               </a:ext>
             </a:extLst>
           </p:cNvPr>
@@ -8335,7 +8528,7 @@
           <p:cNvPr id="10" name="Прямоугольник 9">
             <a:extLst>
               <a:ext uri="{FF2B5EF4-FFF2-40B4-BE49-F238E27FC236}">
-                <a16:creationId xmlns:a16="http://schemas.microsoft.com/office/drawing/2014/main" xmlns="" id="{F83AC0A0-2D8E-8881-7B59-E78BB5FE64D5}"/>
+                <a16:creationId xmlns="" xmlns:a16="http://schemas.microsoft.com/office/drawing/2014/main" id="{F83AC0A0-2D8E-8881-7B59-E78BB5FE64D5}"/>
               </a:ext>
             </a:extLst>
           </p:cNvPr>
@@ -8419,7 +8612,7 @@
           <p:cNvPr id="15" name="TextBox 14">
             <a:extLst>
               <a:ext uri="{FF2B5EF4-FFF2-40B4-BE49-F238E27FC236}">
-                <a16:creationId xmlns:a16="http://schemas.microsoft.com/office/drawing/2014/main" xmlns="" id="{B72D1624-AE22-2E3B-AD80-9E06EDC71A6C}"/>
+                <a16:creationId xmlns="" xmlns:a16="http://schemas.microsoft.com/office/drawing/2014/main" id="{B72D1624-AE22-2E3B-AD80-9E06EDC71A6C}"/>
               </a:ext>
             </a:extLst>
           </p:cNvPr>
@@ -8469,7 +8662,7 @@
           <p:cNvPr id="16" name="TextBox 15">
             <a:extLst>
               <a:ext uri="{FF2B5EF4-FFF2-40B4-BE49-F238E27FC236}">
-                <a16:creationId xmlns:a16="http://schemas.microsoft.com/office/drawing/2014/main" xmlns="" id="{5FD08132-A3E4-CEAE-D9C5-45C3CAAFE46A}"/>
+                <a16:creationId xmlns="" xmlns:a16="http://schemas.microsoft.com/office/drawing/2014/main" id="{5FD08132-A3E4-CEAE-D9C5-45C3CAAFE46A}"/>
               </a:ext>
             </a:extLst>
           </p:cNvPr>
@@ -8511,7 +8704,7 @@
           <p:cNvPr id="17" name="TextBox 16">
             <a:extLst>
               <a:ext uri="{FF2B5EF4-FFF2-40B4-BE49-F238E27FC236}">
-                <a16:creationId xmlns:a16="http://schemas.microsoft.com/office/drawing/2014/main" xmlns="" id="{46443D33-303F-3B89-F2D3-D4F7BDF39C3B}"/>
+                <a16:creationId xmlns="" xmlns:a16="http://schemas.microsoft.com/office/drawing/2014/main" id="{46443D33-303F-3B89-F2D3-D4F7BDF39C3B}"/>
               </a:ext>
             </a:extLst>
           </p:cNvPr>
@@ -8544,18 +8737,7 @@
                 <a:ea typeface="+mj-ea"/>
                 <a:cs typeface="+mj-cs"/>
               </a:rPr>
-              <a:t>«</a:t>
-            </a:r>
-            <a:r>
-              <a:rPr lang="ru-RU" sz="2000" b="1" i="1" dirty="0" smtClean="0">
-                <a:solidFill>
-                  <a:srgbClr val="270600"/>
-                </a:solidFill>
-                <a:latin typeface="+mj-lt"/>
-                <a:ea typeface="+mj-ea"/>
-                <a:cs typeface="+mj-cs"/>
-              </a:rPr>
-              <a:t>Для классификации выбрать </a:t>
+              <a:t>«Для классификации выбрать </a:t>
             </a:r>
           </a:p>
           <a:p>
@@ -8587,7 +8769,7 @@
           <p:cNvPr id="18" name="TextBox 17">
             <a:extLst>
               <a:ext uri="{FF2B5EF4-FFF2-40B4-BE49-F238E27FC236}">
-                <a16:creationId xmlns:a16="http://schemas.microsoft.com/office/drawing/2014/main" xmlns="" id="{836620E6-1FD8-52EC-1962-5402F9EE0C31}"/>
+                <a16:creationId xmlns="" xmlns:a16="http://schemas.microsoft.com/office/drawing/2014/main" id="{836620E6-1FD8-52EC-1962-5402F9EE0C31}"/>
               </a:ext>
             </a:extLst>
           </p:cNvPr>
@@ -8832,7 +9014,7 @@
           <p:cNvPr id="20" name="TextBox 19">
             <a:extLst>
               <a:ext uri="{FF2B5EF4-FFF2-40B4-BE49-F238E27FC236}">
-                <a16:creationId xmlns:a16="http://schemas.microsoft.com/office/drawing/2014/main" xmlns="" id="{74893735-16AD-AE9F-B6A7-FE0CFDEFBFD6}"/>
+                <a16:creationId xmlns="" xmlns:a16="http://schemas.microsoft.com/office/drawing/2014/main" id="{74893735-16AD-AE9F-B6A7-FE0CFDEFBFD6}"/>
               </a:ext>
             </a:extLst>
           </p:cNvPr>
@@ -8875,18 +9057,7 @@
                 <a:ea typeface="+mj-ea"/>
                 <a:cs typeface="+mj-cs"/>
               </a:rPr>
-              <a:t>сделано</a:t>
-            </a:r>
-            <a:r>
-              <a:rPr lang="ru-RU" sz="3200" dirty="0" smtClean="0">
-                <a:solidFill>
-                  <a:srgbClr val="270600"/>
-                </a:solidFill>
-                <a:latin typeface="+mj-lt"/>
-                <a:ea typeface="+mj-ea"/>
-                <a:cs typeface="+mj-cs"/>
-              </a:rPr>
-              <a:t>:</a:t>
+              <a:t>сделано:</a:t>
             </a:r>
             <a:endParaRPr lang="ru-RU" sz="3200" dirty="0">
               <a:solidFill>
@@ -8941,7 +9112,7 @@
           <p:cNvPr id="3" name="TextBox 2">
             <a:extLst>
               <a:ext uri="{FF2B5EF4-FFF2-40B4-BE49-F238E27FC236}">
-                <a16:creationId xmlns:a16="http://schemas.microsoft.com/office/drawing/2014/main" xmlns="" id="{B72D1624-AE22-2E3B-AD80-9E06EDC71A6C}"/>
+                <a16:creationId xmlns="" xmlns:a16="http://schemas.microsoft.com/office/drawing/2014/main" id="{B72D1624-AE22-2E3B-AD80-9E06EDC71A6C}"/>
               </a:ext>
             </a:extLst>
           </p:cNvPr>
@@ -8991,7 +9162,7 @@
           <p:cNvPr id="2" name="Прямоугольник 1">
             <a:extLst>
               <a:ext uri="{FF2B5EF4-FFF2-40B4-BE49-F238E27FC236}">
-                <a16:creationId xmlns:a16="http://schemas.microsoft.com/office/drawing/2014/main" xmlns="" id="{A98DD7BE-BBED-06C4-DE76-9D0C008389E7}"/>
+                <a16:creationId xmlns="" xmlns:a16="http://schemas.microsoft.com/office/drawing/2014/main" id="{A98DD7BE-BBED-06C4-DE76-9D0C008389E7}"/>
               </a:ext>
             </a:extLst>
           </p:cNvPr>
@@ -9385,7 +9556,7 @@
           <p:cNvPr id="11" name="TextBox 10">
             <a:extLst>
               <a:ext uri="{FF2B5EF4-FFF2-40B4-BE49-F238E27FC236}">
-                <a16:creationId xmlns:a16="http://schemas.microsoft.com/office/drawing/2014/main" xmlns="" id="{836620E6-1FD8-52EC-1962-5402F9EE0C31}"/>
+                <a16:creationId xmlns="" xmlns:a16="http://schemas.microsoft.com/office/drawing/2014/main" id="{836620E6-1FD8-52EC-1962-5402F9EE0C31}"/>
               </a:ext>
             </a:extLst>
           </p:cNvPr>
@@ -9724,7 +9895,7 @@
           <p:cNvPr id="5" name="Прямоугольник 4">
             <a:extLst>
               <a:ext uri="{FF2B5EF4-FFF2-40B4-BE49-F238E27FC236}">
-                <a16:creationId xmlns:a16="http://schemas.microsoft.com/office/drawing/2014/main" xmlns="" id="{6A6CB89B-1ACA-04FD-1EE2-084CFADCD65F}"/>
+                <a16:creationId xmlns="" xmlns:a16="http://schemas.microsoft.com/office/drawing/2014/main" id="{6A6CB89B-1ACA-04FD-1EE2-084CFADCD65F}"/>
               </a:ext>
             </a:extLst>
           </p:cNvPr>
@@ -9778,7 +9949,7 @@
           <p:cNvPr id="3" name="TextBox 2">
             <a:extLst>
               <a:ext uri="{FF2B5EF4-FFF2-40B4-BE49-F238E27FC236}">
-                <a16:creationId xmlns:a16="http://schemas.microsoft.com/office/drawing/2014/main" xmlns="" id="{6DFDE46C-C18F-2E6C-084F-310AE135589C}"/>
+                <a16:creationId xmlns="" xmlns:a16="http://schemas.microsoft.com/office/drawing/2014/main" id="{6DFDE46C-C18F-2E6C-084F-310AE135589C}"/>
               </a:ext>
             </a:extLst>
           </p:cNvPr>
@@ -9828,7 +9999,7 @@
           <p:cNvPr id="10" name="Прямоугольник 9">
             <a:extLst>
               <a:ext uri="{FF2B5EF4-FFF2-40B4-BE49-F238E27FC236}">
-                <a16:creationId xmlns:a16="http://schemas.microsoft.com/office/drawing/2014/main" xmlns="" id="{F83AC0A0-2D8E-8881-7B59-E78BB5FE64D5}"/>
+                <a16:creationId xmlns="" xmlns:a16="http://schemas.microsoft.com/office/drawing/2014/main" id="{F83AC0A0-2D8E-8881-7B59-E78BB5FE64D5}"/>
               </a:ext>
             </a:extLst>
           </p:cNvPr>
@@ -9882,7 +10053,7 @@
           <p:cNvPr id="11" name="TextBox 10">
             <a:extLst>
               <a:ext uri="{FF2B5EF4-FFF2-40B4-BE49-F238E27FC236}">
-                <a16:creationId xmlns:a16="http://schemas.microsoft.com/office/drawing/2014/main" xmlns="" id="{014A990A-AC1F-5514-CA79-F94D677488E0}"/>
+                <a16:creationId xmlns="" xmlns:a16="http://schemas.microsoft.com/office/drawing/2014/main" id="{014A990A-AC1F-5514-CA79-F94D677488E0}"/>
               </a:ext>
             </a:extLst>
           </p:cNvPr>
@@ -9933,7 +10104,7 @@
           <p:cNvPr id="18" name="TextBox 17">
             <a:extLst>
               <a:ext uri="{FF2B5EF4-FFF2-40B4-BE49-F238E27FC236}">
-                <a16:creationId xmlns:a16="http://schemas.microsoft.com/office/drawing/2014/main" xmlns="" id="{836620E6-1FD8-52EC-1962-5402F9EE0C31}"/>
+                <a16:creationId xmlns="" xmlns:a16="http://schemas.microsoft.com/office/drawing/2014/main" id="{836620E6-1FD8-52EC-1962-5402F9EE0C31}"/>
               </a:ext>
             </a:extLst>
           </p:cNvPr>
@@ -10004,7 +10175,7 @@
           <p:cNvPr id="19" name="TextBox 18">
             <a:extLst>
               <a:ext uri="{FF2B5EF4-FFF2-40B4-BE49-F238E27FC236}">
-                <a16:creationId xmlns:a16="http://schemas.microsoft.com/office/drawing/2014/main" xmlns="" id="{836620E6-1FD8-52EC-1962-5402F9EE0C31}"/>
+                <a16:creationId xmlns="" xmlns:a16="http://schemas.microsoft.com/office/drawing/2014/main" id="{836620E6-1FD8-52EC-1962-5402F9EE0C31}"/>
               </a:ext>
             </a:extLst>
           </p:cNvPr>
@@ -10243,7 +10414,7 @@
           <p:cNvPr id="25" name="TextBox 24">
             <a:extLst>
               <a:ext uri="{FF2B5EF4-FFF2-40B4-BE49-F238E27FC236}">
-                <a16:creationId xmlns:a16="http://schemas.microsoft.com/office/drawing/2014/main" xmlns="" id="{014A990A-AC1F-5514-CA79-F94D677488E0}"/>
+                <a16:creationId xmlns="" xmlns:a16="http://schemas.microsoft.com/office/drawing/2014/main" id="{014A990A-AC1F-5514-CA79-F94D677488E0}"/>
               </a:ext>
             </a:extLst>
           </p:cNvPr>
@@ -11150,7 +11321,7 @@
           <p:cNvPr id="34" name="TextBox 33">
             <a:extLst>
               <a:ext uri="{FF2B5EF4-FFF2-40B4-BE49-F238E27FC236}">
-                <a16:creationId xmlns:a16="http://schemas.microsoft.com/office/drawing/2014/main" xmlns="" id="{836620E6-1FD8-52EC-1962-5402F9EE0C31}"/>
+                <a16:creationId xmlns="" xmlns:a16="http://schemas.microsoft.com/office/drawing/2014/main" id="{836620E6-1FD8-52EC-1962-5402F9EE0C31}"/>
               </a:ext>
             </a:extLst>
           </p:cNvPr>
